--- a/_drafts/xv6/imgs/png.pptx
+++ b/_drafts/xv6/imgs/png.pptx
@@ -107,6 +107,11 @@
       </a:defRPr>
     </a:lvl9pPr>
   </p:defaultTextStyle>
+  <p:extLst>
+    <p:ext uri="{EFAFB233-063F-42B5-8137-9DF3F51BA10A}">
+      <p15:sldGuideLst xmlns:p15="http://schemas.microsoft.com/office/powerpoint/2012/main"/>
+    </p:ext>
+  </p:extLst>
 </p:presentation>
 </file>
 
@@ -241,7 +246,7 @@
           <a:p>
             <a:fld id="{0EDE9D3F-D825-4F5E-A1A4-FB851D559CFD}" type="datetimeFigureOut">
               <a:rPr lang="zh-CN" altLang="en-US" smtClean="0"/>
-              <a:t>2022/11/24</a:t>
+              <a:t>2022/12/29</a:t>
             </a:fld>
             <a:endParaRPr lang="zh-CN" altLang="en-US"/>
           </a:p>
@@ -411,7 +416,7 @@
           <a:p>
             <a:fld id="{0EDE9D3F-D825-4F5E-A1A4-FB851D559CFD}" type="datetimeFigureOut">
               <a:rPr lang="zh-CN" altLang="en-US" smtClean="0"/>
-              <a:t>2022/11/24</a:t>
+              <a:t>2022/12/29</a:t>
             </a:fld>
             <a:endParaRPr lang="zh-CN" altLang="en-US"/>
           </a:p>
@@ -591,7 +596,7 @@
           <a:p>
             <a:fld id="{0EDE9D3F-D825-4F5E-A1A4-FB851D559CFD}" type="datetimeFigureOut">
               <a:rPr lang="zh-CN" altLang="en-US" smtClean="0"/>
-              <a:t>2022/11/24</a:t>
+              <a:t>2022/12/29</a:t>
             </a:fld>
             <a:endParaRPr lang="zh-CN" altLang="en-US"/>
           </a:p>
@@ -761,7 +766,7 @@
           <a:p>
             <a:fld id="{0EDE9D3F-D825-4F5E-A1A4-FB851D559CFD}" type="datetimeFigureOut">
               <a:rPr lang="zh-CN" altLang="en-US" smtClean="0"/>
-              <a:t>2022/11/24</a:t>
+              <a:t>2022/12/29</a:t>
             </a:fld>
             <a:endParaRPr lang="zh-CN" altLang="en-US"/>
           </a:p>
@@ -1007,7 +1012,7 @@
           <a:p>
             <a:fld id="{0EDE9D3F-D825-4F5E-A1A4-FB851D559CFD}" type="datetimeFigureOut">
               <a:rPr lang="zh-CN" altLang="en-US" smtClean="0"/>
-              <a:t>2022/11/24</a:t>
+              <a:t>2022/12/29</a:t>
             </a:fld>
             <a:endParaRPr lang="zh-CN" altLang="en-US"/>
           </a:p>
@@ -1239,7 +1244,7 @@
           <a:p>
             <a:fld id="{0EDE9D3F-D825-4F5E-A1A4-FB851D559CFD}" type="datetimeFigureOut">
               <a:rPr lang="zh-CN" altLang="en-US" smtClean="0"/>
-              <a:t>2022/11/24</a:t>
+              <a:t>2022/12/29</a:t>
             </a:fld>
             <a:endParaRPr lang="zh-CN" altLang="en-US"/>
           </a:p>
@@ -1606,7 +1611,7 @@
           <a:p>
             <a:fld id="{0EDE9D3F-D825-4F5E-A1A4-FB851D559CFD}" type="datetimeFigureOut">
               <a:rPr lang="zh-CN" altLang="en-US" smtClean="0"/>
-              <a:t>2022/11/24</a:t>
+              <a:t>2022/12/29</a:t>
             </a:fld>
             <a:endParaRPr lang="zh-CN" altLang="en-US"/>
           </a:p>
@@ -1724,7 +1729,7 @@
           <a:p>
             <a:fld id="{0EDE9D3F-D825-4F5E-A1A4-FB851D559CFD}" type="datetimeFigureOut">
               <a:rPr lang="zh-CN" altLang="en-US" smtClean="0"/>
-              <a:t>2022/11/24</a:t>
+              <a:t>2022/12/29</a:t>
             </a:fld>
             <a:endParaRPr lang="zh-CN" altLang="en-US"/>
           </a:p>
@@ -1819,7 +1824,7 @@
           <a:p>
             <a:fld id="{0EDE9D3F-D825-4F5E-A1A4-FB851D559CFD}" type="datetimeFigureOut">
               <a:rPr lang="zh-CN" altLang="en-US" smtClean="0"/>
-              <a:t>2022/11/24</a:t>
+              <a:t>2022/12/29</a:t>
             </a:fld>
             <a:endParaRPr lang="zh-CN" altLang="en-US"/>
           </a:p>
@@ -2096,7 +2101,7 @@
           <a:p>
             <a:fld id="{0EDE9D3F-D825-4F5E-A1A4-FB851D559CFD}" type="datetimeFigureOut">
               <a:rPr lang="zh-CN" altLang="en-US" smtClean="0"/>
-              <a:t>2022/11/24</a:t>
+              <a:t>2022/12/29</a:t>
             </a:fld>
             <a:endParaRPr lang="zh-CN" altLang="en-US"/>
           </a:p>
@@ -2349,7 +2354,7 @@
           <a:p>
             <a:fld id="{0EDE9D3F-D825-4F5E-A1A4-FB851D559CFD}" type="datetimeFigureOut">
               <a:rPr lang="zh-CN" altLang="en-US" smtClean="0"/>
-              <a:t>2022/11/24</a:t>
+              <a:t>2022/12/29</a:t>
             </a:fld>
             <a:endParaRPr lang="zh-CN" altLang="en-US"/>
           </a:p>
@@ -2562,7 +2567,7 @@
           <a:p>
             <a:fld id="{0EDE9D3F-D825-4F5E-A1A4-FB851D559CFD}" type="datetimeFigureOut">
               <a:rPr lang="zh-CN" altLang="en-US" smtClean="0"/>
-              <a:t>2022/11/24</a:t>
+              <a:t>2022/12/29</a:t>
             </a:fld>
             <a:endParaRPr lang="zh-CN" altLang="en-US"/>
           </a:p>
@@ -3181,6 +3186,1149 @@
           <a:chExt cx="0" cy="0"/>
         </a:xfrm>
       </p:grpSpPr>
+      <p:cxnSp>
+        <p:nvCxnSpPr>
+          <p:cNvPr id="3" name="直接箭头连接符 2"/>
+          <p:cNvCxnSpPr/>
+          <p:nvPr/>
+        </p:nvCxnSpPr>
+        <p:spPr>
+          <a:xfrm>
+            <a:off x="2069375" y="2591888"/>
+            <a:ext cx="2481943" cy="0"/>
+          </a:xfrm>
+          <a:prstGeom prst="straightConnector1">
+            <a:avLst/>
+          </a:prstGeom>
+          <a:ln>
+            <a:tailEnd type="triangle"/>
+          </a:ln>
+        </p:spPr>
+        <p:style>
+          <a:lnRef idx="1">
+            <a:schemeClr val="accent1"/>
+          </a:lnRef>
+          <a:fillRef idx="0">
+            <a:schemeClr val="accent1"/>
+          </a:fillRef>
+          <a:effectRef idx="0">
+            <a:schemeClr val="accent1"/>
+          </a:effectRef>
+          <a:fontRef idx="minor">
+            <a:schemeClr val="tx1"/>
+          </a:fontRef>
+        </p:style>
+      </p:cxnSp>
+      <p:sp>
+        <p:nvSpPr>
+          <p:cNvPr id="4" name="文本框 3"/>
+          <p:cNvSpPr txBox="1"/>
+          <p:nvPr/>
+        </p:nvSpPr>
+        <p:spPr>
+          <a:xfrm>
+            <a:off x="2051957" y="2316479"/>
+            <a:ext cx="775063" cy="276999"/>
+          </a:xfrm>
+          <a:prstGeom prst="rect">
+            <a:avLst/>
+          </a:prstGeom>
+          <a:noFill/>
+        </p:spPr>
+        <p:txBody>
+          <a:bodyPr wrap="square" rtlCol="0">
+            <a:spAutoFit/>
+          </a:bodyPr>
+          <a:lstStyle/>
+          <a:p>
+            <a:r>
+              <a:rPr lang="en-US" altLang="zh-CN" sz="1200" dirty="0" smtClean="0"/>
+              <a:t>CPU0</a:t>
+            </a:r>
+            <a:endParaRPr lang="zh-CN" altLang="en-US" sz="1200" dirty="0"/>
+          </a:p>
+        </p:txBody>
+      </p:sp>
+      <p:cxnSp>
+        <p:nvCxnSpPr>
+          <p:cNvPr id="5" name="直接箭头连接符 4"/>
+          <p:cNvCxnSpPr/>
+          <p:nvPr/>
+        </p:nvCxnSpPr>
+        <p:spPr>
+          <a:xfrm>
+            <a:off x="2086793" y="3218907"/>
+            <a:ext cx="2481943" cy="0"/>
+          </a:xfrm>
+          <a:prstGeom prst="straightConnector1">
+            <a:avLst/>
+          </a:prstGeom>
+          <a:ln>
+            <a:tailEnd type="triangle"/>
+          </a:ln>
+        </p:spPr>
+        <p:style>
+          <a:lnRef idx="1">
+            <a:schemeClr val="accent1"/>
+          </a:lnRef>
+          <a:fillRef idx="0">
+            <a:schemeClr val="accent1"/>
+          </a:fillRef>
+          <a:effectRef idx="0">
+            <a:schemeClr val="accent1"/>
+          </a:effectRef>
+          <a:fontRef idx="minor">
+            <a:schemeClr val="tx1"/>
+          </a:fontRef>
+        </p:style>
+      </p:cxnSp>
+      <p:sp>
+        <p:nvSpPr>
+          <p:cNvPr id="6" name="文本框 5"/>
+          <p:cNvSpPr txBox="1"/>
+          <p:nvPr/>
+        </p:nvSpPr>
+        <p:spPr>
+          <a:xfrm>
+            <a:off x="2069375" y="2943498"/>
+            <a:ext cx="775063" cy="276999"/>
+          </a:xfrm>
+          <a:prstGeom prst="rect">
+            <a:avLst/>
+          </a:prstGeom>
+          <a:noFill/>
+        </p:spPr>
+        <p:txBody>
+          <a:bodyPr wrap="square" rtlCol="0">
+            <a:spAutoFit/>
+          </a:bodyPr>
+          <a:lstStyle/>
+          <a:p>
+            <a:r>
+              <a:rPr lang="en-US" altLang="zh-CN" sz="1200" dirty="0" smtClean="0"/>
+              <a:t>CPU1</a:t>
+            </a:r>
+            <a:endParaRPr lang="zh-CN" altLang="en-US" sz="1200" dirty="0"/>
+          </a:p>
+        </p:txBody>
+      </p:sp>
+      <p:cxnSp>
+        <p:nvCxnSpPr>
+          <p:cNvPr id="7" name="直接箭头连接符 6"/>
+          <p:cNvCxnSpPr/>
+          <p:nvPr/>
+        </p:nvCxnSpPr>
+        <p:spPr>
+          <a:xfrm>
+            <a:off x="2104211" y="3807522"/>
+            <a:ext cx="2481943" cy="0"/>
+          </a:xfrm>
+          <a:prstGeom prst="straightConnector1">
+            <a:avLst/>
+          </a:prstGeom>
+          <a:ln>
+            <a:tailEnd type="triangle"/>
+          </a:ln>
+        </p:spPr>
+        <p:style>
+          <a:lnRef idx="1">
+            <a:schemeClr val="accent1"/>
+          </a:lnRef>
+          <a:fillRef idx="0">
+            <a:schemeClr val="accent1"/>
+          </a:fillRef>
+          <a:effectRef idx="0">
+            <a:schemeClr val="accent1"/>
+          </a:effectRef>
+          <a:fontRef idx="minor">
+            <a:schemeClr val="tx1"/>
+          </a:fontRef>
+        </p:style>
+      </p:cxnSp>
+      <p:sp>
+        <p:nvSpPr>
+          <p:cNvPr id="8" name="文本框 7"/>
+          <p:cNvSpPr txBox="1"/>
+          <p:nvPr/>
+        </p:nvSpPr>
+        <p:spPr>
+          <a:xfrm>
+            <a:off x="2086793" y="3532113"/>
+            <a:ext cx="775063" cy="276999"/>
+          </a:xfrm>
+          <a:prstGeom prst="rect">
+            <a:avLst/>
+          </a:prstGeom>
+          <a:noFill/>
+        </p:spPr>
+        <p:txBody>
+          <a:bodyPr wrap="square" rtlCol="0">
+            <a:spAutoFit/>
+          </a:bodyPr>
+          <a:lstStyle/>
+          <a:p>
+            <a:r>
+              <a:rPr lang="en-US" altLang="zh-CN" sz="1200" dirty="0" smtClean="0"/>
+              <a:t>CPU2</a:t>
+            </a:r>
+            <a:endParaRPr lang="zh-CN" altLang="en-US" sz="1200" dirty="0"/>
+          </a:p>
+        </p:txBody>
+      </p:sp>
+      <p:sp>
+        <p:nvSpPr>
+          <p:cNvPr id="9" name="椭圆 8"/>
+          <p:cNvSpPr/>
+          <p:nvPr/>
+        </p:nvSpPr>
+        <p:spPr>
+          <a:xfrm>
+            <a:off x="4568736" y="2522219"/>
+            <a:ext cx="130628" cy="139338"/>
+          </a:xfrm>
+          <a:prstGeom prst="ellipse">
+            <a:avLst/>
+          </a:prstGeom>
+        </p:spPr>
+        <p:style>
+          <a:lnRef idx="2">
+            <a:schemeClr val="accent1">
+              <a:shade val="50000"/>
+            </a:schemeClr>
+          </a:lnRef>
+          <a:fillRef idx="1">
+            <a:schemeClr val="accent1"/>
+          </a:fillRef>
+          <a:effectRef idx="0">
+            <a:schemeClr val="accent1"/>
+          </a:effectRef>
+          <a:fontRef idx="minor">
+            <a:schemeClr val="lt1"/>
+          </a:fontRef>
+        </p:style>
+        <p:txBody>
+          <a:bodyPr rtlCol="0" anchor="ctr"/>
+          <a:lstStyle/>
+          <a:p>
+            <a:pPr algn="ctr"/>
+            <a:endParaRPr lang="zh-CN" altLang="en-US"/>
+          </a:p>
+        </p:txBody>
+      </p:sp>
+      <p:cxnSp>
+        <p:nvCxnSpPr>
+          <p:cNvPr id="10" name="直接箭头连接符 9"/>
+          <p:cNvCxnSpPr/>
+          <p:nvPr/>
+        </p:nvCxnSpPr>
+        <p:spPr>
+          <a:xfrm>
+            <a:off x="4699364" y="2591888"/>
+            <a:ext cx="557347" cy="0"/>
+          </a:xfrm>
+          <a:prstGeom prst="straightConnector1">
+            <a:avLst/>
+          </a:prstGeom>
+          <a:ln w="19050">
+            <a:solidFill>
+              <a:srgbClr val="FF0000"/>
+            </a:solidFill>
+            <a:tailEnd type="triangle"/>
+          </a:ln>
+        </p:spPr>
+        <p:style>
+          <a:lnRef idx="1">
+            <a:schemeClr val="accent1"/>
+          </a:lnRef>
+          <a:fillRef idx="0">
+            <a:schemeClr val="accent1"/>
+          </a:fillRef>
+          <a:effectRef idx="0">
+            <a:schemeClr val="accent1"/>
+          </a:effectRef>
+          <a:fontRef idx="minor">
+            <a:schemeClr val="tx1"/>
+          </a:fontRef>
+        </p:style>
+      </p:cxnSp>
+      <p:sp>
+        <p:nvSpPr>
+          <p:cNvPr id="12" name="椭圆 11"/>
+          <p:cNvSpPr/>
+          <p:nvPr/>
+        </p:nvSpPr>
+        <p:spPr>
+          <a:xfrm>
+            <a:off x="5275216" y="2522219"/>
+            <a:ext cx="130628" cy="139338"/>
+          </a:xfrm>
+          <a:prstGeom prst="ellipse">
+            <a:avLst/>
+          </a:prstGeom>
+        </p:spPr>
+        <p:style>
+          <a:lnRef idx="2">
+            <a:schemeClr val="accent1">
+              <a:shade val="50000"/>
+            </a:schemeClr>
+          </a:lnRef>
+          <a:fillRef idx="1">
+            <a:schemeClr val="accent1"/>
+          </a:fillRef>
+          <a:effectRef idx="0">
+            <a:schemeClr val="accent1"/>
+          </a:effectRef>
+          <a:fontRef idx="minor">
+            <a:schemeClr val="lt1"/>
+          </a:fontRef>
+        </p:style>
+        <p:txBody>
+          <a:bodyPr rtlCol="0" anchor="ctr"/>
+          <a:lstStyle/>
+          <a:p>
+            <a:pPr algn="ctr"/>
+            <a:endParaRPr lang="zh-CN" altLang="en-US"/>
+          </a:p>
+        </p:txBody>
+      </p:sp>
+      <p:sp>
+        <p:nvSpPr>
+          <p:cNvPr id="13" name="椭圆 12"/>
+          <p:cNvSpPr/>
+          <p:nvPr/>
+        </p:nvSpPr>
+        <p:spPr>
+          <a:xfrm>
+            <a:off x="5275216" y="3135392"/>
+            <a:ext cx="130628" cy="139338"/>
+          </a:xfrm>
+          <a:prstGeom prst="ellipse">
+            <a:avLst/>
+          </a:prstGeom>
+        </p:spPr>
+        <p:style>
+          <a:lnRef idx="2">
+            <a:schemeClr val="accent1">
+              <a:shade val="50000"/>
+            </a:schemeClr>
+          </a:lnRef>
+          <a:fillRef idx="1">
+            <a:schemeClr val="accent1"/>
+          </a:fillRef>
+          <a:effectRef idx="0">
+            <a:schemeClr val="accent1"/>
+          </a:effectRef>
+          <a:fontRef idx="minor">
+            <a:schemeClr val="lt1"/>
+          </a:fontRef>
+        </p:style>
+        <p:txBody>
+          <a:bodyPr rtlCol="0" anchor="ctr"/>
+          <a:lstStyle/>
+          <a:p>
+            <a:pPr algn="ctr"/>
+            <a:endParaRPr lang="zh-CN" altLang="en-US"/>
+          </a:p>
+        </p:txBody>
+      </p:sp>
+      <p:cxnSp>
+        <p:nvCxnSpPr>
+          <p:cNvPr id="14" name="直接箭头连接符 13"/>
+          <p:cNvCxnSpPr/>
+          <p:nvPr/>
+        </p:nvCxnSpPr>
+        <p:spPr>
+          <a:xfrm>
+            <a:off x="5405844" y="3205061"/>
+            <a:ext cx="557347" cy="0"/>
+          </a:xfrm>
+          <a:prstGeom prst="straightConnector1">
+            <a:avLst/>
+          </a:prstGeom>
+          <a:ln w="19050">
+            <a:solidFill>
+              <a:srgbClr val="FF0000"/>
+            </a:solidFill>
+            <a:tailEnd type="triangle"/>
+          </a:ln>
+        </p:spPr>
+        <p:style>
+          <a:lnRef idx="1">
+            <a:schemeClr val="accent1"/>
+          </a:lnRef>
+          <a:fillRef idx="0">
+            <a:schemeClr val="accent1"/>
+          </a:fillRef>
+          <a:effectRef idx="0">
+            <a:schemeClr val="accent1"/>
+          </a:effectRef>
+          <a:fontRef idx="minor">
+            <a:schemeClr val="tx1"/>
+          </a:fontRef>
+        </p:style>
+      </p:cxnSp>
+      <p:sp>
+        <p:nvSpPr>
+          <p:cNvPr id="15" name="椭圆 14"/>
+          <p:cNvSpPr/>
+          <p:nvPr/>
+        </p:nvSpPr>
+        <p:spPr>
+          <a:xfrm>
+            <a:off x="5981696" y="3135392"/>
+            <a:ext cx="130628" cy="139338"/>
+          </a:xfrm>
+          <a:prstGeom prst="ellipse">
+            <a:avLst/>
+          </a:prstGeom>
+        </p:spPr>
+        <p:style>
+          <a:lnRef idx="2">
+            <a:schemeClr val="accent1">
+              <a:shade val="50000"/>
+            </a:schemeClr>
+          </a:lnRef>
+          <a:fillRef idx="1">
+            <a:schemeClr val="accent1"/>
+          </a:fillRef>
+          <a:effectRef idx="0">
+            <a:schemeClr val="accent1"/>
+          </a:effectRef>
+          <a:fontRef idx="minor">
+            <a:schemeClr val="lt1"/>
+          </a:fontRef>
+        </p:style>
+        <p:txBody>
+          <a:bodyPr rtlCol="0" anchor="ctr"/>
+          <a:lstStyle/>
+          <a:p>
+            <a:pPr algn="ctr"/>
+            <a:endParaRPr lang="zh-CN" altLang="en-US"/>
+          </a:p>
+        </p:txBody>
+      </p:sp>
+      <p:cxnSp>
+        <p:nvCxnSpPr>
+          <p:cNvPr id="16" name="直接箭头连接符 15"/>
+          <p:cNvCxnSpPr/>
+          <p:nvPr/>
+        </p:nvCxnSpPr>
+        <p:spPr>
+          <a:xfrm>
+            <a:off x="4699364" y="3212375"/>
+            <a:ext cx="557347" cy="0"/>
+          </a:xfrm>
+          <a:prstGeom prst="straightConnector1">
+            <a:avLst/>
+          </a:prstGeom>
+          <a:ln>
+            <a:prstDash val="dash"/>
+            <a:tailEnd type="triangle"/>
+          </a:ln>
+        </p:spPr>
+        <p:style>
+          <a:lnRef idx="1">
+            <a:schemeClr val="accent1"/>
+          </a:lnRef>
+          <a:fillRef idx="0">
+            <a:schemeClr val="accent1"/>
+          </a:fillRef>
+          <a:effectRef idx="0">
+            <a:schemeClr val="accent1"/>
+          </a:effectRef>
+          <a:fontRef idx="minor">
+            <a:schemeClr val="tx1"/>
+          </a:fontRef>
+        </p:style>
+      </p:cxnSp>
+      <p:sp>
+        <p:nvSpPr>
+          <p:cNvPr id="17" name="椭圆 16"/>
+          <p:cNvSpPr/>
+          <p:nvPr/>
+        </p:nvSpPr>
+        <p:spPr>
+          <a:xfrm>
+            <a:off x="5963191" y="3721048"/>
+            <a:ext cx="130628" cy="139338"/>
+          </a:xfrm>
+          <a:prstGeom prst="ellipse">
+            <a:avLst/>
+          </a:prstGeom>
+        </p:spPr>
+        <p:style>
+          <a:lnRef idx="2">
+            <a:schemeClr val="accent1">
+              <a:shade val="50000"/>
+            </a:schemeClr>
+          </a:lnRef>
+          <a:fillRef idx="1">
+            <a:schemeClr val="accent1"/>
+          </a:fillRef>
+          <a:effectRef idx="0">
+            <a:schemeClr val="accent1"/>
+          </a:effectRef>
+          <a:fontRef idx="minor">
+            <a:schemeClr val="lt1"/>
+          </a:fontRef>
+        </p:style>
+        <p:txBody>
+          <a:bodyPr rtlCol="0" anchor="ctr"/>
+          <a:lstStyle/>
+          <a:p>
+            <a:pPr algn="ctr"/>
+            <a:endParaRPr lang="zh-CN" altLang="en-US"/>
+          </a:p>
+        </p:txBody>
+      </p:sp>
+      <p:cxnSp>
+        <p:nvCxnSpPr>
+          <p:cNvPr id="18" name="直接箭头连接符 17"/>
+          <p:cNvCxnSpPr/>
+          <p:nvPr/>
+        </p:nvCxnSpPr>
+        <p:spPr>
+          <a:xfrm>
+            <a:off x="6093819" y="3790717"/>
+            <a:ext cx="557347" cy="0"/>
+          </a:xfrm>
+          <a:prstGeom prst="straightConnector1">
+            <a:avLst/>
+          </a:prstGeom>
+          <a:ln w="19050">
+            <a:solidFill>
+              <a:srgbClr val="FF0000"/>
+            </a:solidFill>
+            <a:tailEnd type="triangle"/>
+          </a:ln>
+        </p:spPr>
+        <p:style>
+          <a:lnRef idx="1">
+            <a:schemeClr val="accent1"/>
+          </a:lnRef>
+          <a:fillRef idx="0">
+            <a:schemeClr val="accent1"/>
+          </a:fillRef>
+          <a:effectRef idx="0">
+            <a:schemeClr val="accent1"/>
+          </a:effectRef>
+          <a:fontRef idx="minor">
+            <a:schemeClr val="tx1"/>
+          </a:fontRef>
+        </p:style>
+      </p:cxnSp>
+      <p:sp>
+        <p:nvSpPr>
+          <p:cNvPr id="19" name="椭圆 18"/>
+          <p:cNvSpPr/>
+          <p:nvPr/>
+        </p:nvSpPr>
+        <p:spPr>
+          <a:xfrm>
+            <a:off x="6669671" y="3721048"/>
+            <a:ext cx="130628" cy="139338"/>
+          </a:xfrm>
+          <a:prstGeom prst="ellipse">
+            <a:avLst/>
+          </a:prstGeom>
+        </p:spPr>
+        <p:style>
+          <a:lnRef idx="2">
+            <a:schemeClr val="accent1">
+              <a:shade val="50000"/>
+            </a:schemeClr>
+          </a:lnRef>
+          <a:fillRef idx="1">
+            <a:schemeClr val="accent1"/>
+          </a:fillRef>
+          <a:effectRef idx="0">
+            <a:schemeClr val="accent1"/>
+          </a:effectRef>
+          <a:fontRef idx="minor">
+            <a:schemeClr val="lt1"/>
+          </a:fontRef>
+        </p:style>
+        <p:txBody>
+          <a:bodyPr rtlCol="0" anchor="ctr"/>
+          <a:lstStyle/>
+          <a:p>
+            <a:pPr algn="ctr"/>
+            <a:endParaRPr lang="zh-CN" altLang="en-US"/>
+          </a:p>
+        </p:txBody>
+      </p:sp>
+      <p:cxnSp>
+        <p:nvCxnSpPr>
+          <p:cNvPr id="20" name="直接箭头连接符 19"/>
+          <p:cNvCxnSpPr/>
+          <p:nvPr/>
+        </p:nvCxnSpPr>
+        <p:spPr>
+          <a:xfrm>
+            <a:off x="4699364" y="3798031"/>
+            <a:ext cx="1245322" cy="0"/>
+          </a:xfrm>
+          <a:prstGeom prst="straightConnector1">
+            <a:avLst/>
+          </a:prstGeom>
+          <a:ln>
+            <a:prstDash val="dash"/>
+            <a:tailEnd type="triangle"/>
+          </a:ln>
+        </p:spPr>
+        <p:style>
+          <a:lnRef idx="1">
+            <a:schemeClr val="accent1"/>
+          </a:lnRef>
+          <a:fillRef idx="0">
+            <a:schemeClr val="accent1"/>
+          </a:fillRef>
+          <a:effectRef idx="0">
+            <a:schemeClr val="accent1"/>
+          </a:effectRef>
+          <a:fontRef idx="minor">
+            <a:schemeClr val="tx1"/>
+          </a:fontRef>
+        </p:style>
+      </p:cxnSp>
+      <p:cxnSp>
+        <p:nvCxnSpPr>
+          <p:cNvPr id="23" name="直接箭头连接符 22"/>
+          <p:cNvCxnSpPr/>
+          <p:nvPr/>
+        </p:nvCxnSpPr>
+        <p:spPr>
+          <a:xfrm>
+            <a:off x="5424349" y="2591888"/>
+            <a:ext cx="2751911" cy="0"/>
+          </a:xfrm>
+          <a:prstGeom prst="straightConnector1">
+            <a:avLst/>
+          </a:prstGeom>
+          <a:ln>
+            <a:tailEnd type="triangle"/>
+          </a:ln>
+        </p:spPr>
+        <p:style>
+          <a:lnRef idx="1">
+            <a:schemeClr val="accent1"/>
+          </a:lnRef>
+          <a:fillRef idx="0">
+            <a:schemeClr val="accent1"/>
+          </a:fillRef>
+          <a:effectRef idx="0">
+            <a:schemeClr val="accent1"/>
+          </a:effectRef>
+          <a:fontRef idx="minor">
+            <a:schemeClr val="tx1"/>
+          </a:fontRef>
+        </p:style>
+      </p:cxnSp>
+      <p:cxnSp>
+        <p:nvCxnSpPr>
+          <p:cNvPr id="25" name="直接箭头连接符 24"/>
+          <p:cNvCxnSpPr/>
+          <p:nvPr/>
+        </p:nvCxnSpPr>
+        <p:spPr>
+          <a:xfrm>
+            <a:off x="6112324" y="3206149"/>
+            <a:ext cx="2063936" cy="0"/>
+          </a:xfrm>
+          <a:prstGeom prst="straightConnector1">
+            <a:avLst/>
+          </a:prstGeom>
+          <a:ln>
+            <a:tailEnd type="triangle"/>
+          </a:ln>
+        </p:spPr>
+        <p:style>
+          <a:lnRef idx="1">
+            <a:schemeClr val="accent1"/>
+          </a:lnRef>
+          <a:fillRef idx="0">
+            <a:schemeClr val="accent1"/>
+          </a:fillRef>
+          <a:effectRef idx="0">
+            <a:schemeClr val="accent1"/>
+          </a:effectRef>
+          <a:fontRef idx="minor">
+            <a:schemeClr val="tx1"/>
+          </a:fontRef>
+        </p:style>
+      </p:cxnSp>
+      <p:cxnSp>
+        <p:nvCxnSpPr>
+          <p:cNvPr id="27" name="直接箭头连接符 26"/>
+          <p:cNvCxnSpPr>
+            <a:stCxn id="19" idx="6"/>
+          </p:cNvCxnSpPr>
+          <p:nvPr/>
+        </p:nvCxnSpPr>
+        <p:spPr>
+          <a:xfrm>
+            <a:off x="6800299" y="3790717"/>
+            <a:ext cx="1375961" cy="0"/>
+          </a:xfrm>
+          <a:prstGeom prst="straightConnector1">
+            <a:avLst/>
+          </a:prstGeom>
+          <a:ln>
+            <a:tailEnd type="triangle"/>
+          </a:ln>
+        </p:spPr>
+        <p:style>
+          <a:lnRef idx="1">
+            <a:schemeClr val="accent1"/>
+          </a:lnRef>
+          <a:fillRef idx="0">
+            <a:schemeClr val="accent1"/>
+          </a:fillRef>
+          <a:effectRef idx="0">
+            <a:schemeClr val="accent1"/>
+          </a:effectRef>
+          <a:fontRef idx="minor">
+            <a:schemeClr val="tx1"/>
+          </a:fontRef>
+        </p:style>
+      </p:cxnSp>
+      <p:cxnSp>
+        <p:nvCxnSpPr>
+          <p:cNvPr id="30" name="直接连接符 29"/>
+          <p:cNvCxnSpPr/>
+          <p:nvPr/>
+        </p:nvCxnSpPr>
+        <p:spPr>
+          <a:xfrm>
+            <a:off x="4631874" y="2072640"/>
+            <a:ext cx="0" cy="2308860"/>
+          </a:xfrm>
+          <a:prstGeom prst="line">
+            <a:avLst/>
+          </a:prstGeom>
+          <a:ln>
+            <a:prstDash val="dashDot"/>
+          </a:ln>
+        </p:spPr>
+        <p:style>
+          <a:lnRef idx="1">
+            <a:schemeClr val="accent1"/>
+          </a:lnRef>
+          <a:fillRef idx="0">
+            <a:schemeClr val="accent1"/>
+          </a:fillRef>
+          <a:effectRef idx="0">
+            <a:schemeClr val="accent1"/>
+          </a:effectRef>
+          <a:fontRef idx="minor">
+            <a:schemeClr val="tx1"/>
+          </a:fontRef>
+        </p:style>
+      </p:cxnSp>
+      <p:cxnSp>
+        <p:nvCxnSpPr>
+          <p:cNvPr id="31" name="直接连接符 30"/>
+          <p:cNvCxnSpPr/>
+          <p:nvPr/>
+        </p:nvCxnSpPr>
+        <p:spPr>
+          <a:xfrm>
+            <a:off x="5332914" y="2072640"/>
+            <a:ext cx="0" cy="2308860"/>
+          </a:xfrm>
+          <a:prstGeom prst="line">
+            <a:avLst/>
+          </a:prstGeom>
+          <a:ln>
+            <a:prstDash val="dashDot"/>
+          </a:ln>
+        </p:spPr>
+        <p:style>
+          <a:lnRef idx="1">
+            <a:schemeClr val="accent1"/>
+          </a:lnRef>
+          <a:fillRef idx="0">
+            <a:schemeClr val="accent1"/>
+          </a:fillRef>
+          <a:effectRef idx="0">
+            <a:schemeClr val="accent1"/>
+          </a:effectRef>
+          <a:fontRef idx="minor">
+            <a:schemeClr val="tx1"/>
+          </a:fontRef>
+        </p:style>
+      </p:cxnSp>
+      <p:cxnSp>
+        <p:nvCxnSpPr>
+          <p:cNvPr id="32" name="直接连接符 31"/>
+          <p:cNvCxnSpPr/>
+          <p:nvPr/>
+        </p:nvCxnSpPr>
+        <p:spPr>
+          <a:xfrm>
+            <a:off x="6041574" y="2072640"/>
+            <a:ext cx="0" cy="2308860"/>
+          </a:xfrm>
+          <a:prstGeom prst="line">
+            <a:avLst/>
+          </a:prstGeom>
+          <a:ln>
+            <a:prstDash val="dashDot"/>
+          </a:ln>
+        </p:spPr>
+        <p:style>
+          <a:lnRef idx="1">
+            <a:schemeClr val="accent1"/>
+          </a:lnRef>
+          <a:fillRef idx="0">
+            <a:schemeClr val="accent1"/>
+          </a:fillRef>
+          <a:effectRef idx="0">
+            <a:schemeClr val="accent1"/>
+          </a:effectRef>
+          <a:fontRef idx="minor">
+            <a:schemeClr val="tx1"/>
+          </a:fontRef>
+        </p:style>
+      </p:cxnSp>
+      <p:sp>
+        <p:nvSpPr>
+          <p:cNvPr id="33" name="文本框 32"/>
+          <p:cNvSpPr txBox="1"/>
+          <p:nvPr/>
+        </p:nvSpPr>
+        <p:spPr>
+          <a:xfrm>
+            <a:off x="4412260" y="2323611"/>
+            <a:ext cx="593810" cy="215444"/>
+          </a:xfrm>
+          <a:prstGeom prst="rect">
+            <a:avLst/>
+          </a:prstGeom>
+          <a:noFill/>
+        </p:spPr>
+        <p:txBody>
+          <a:bodyPr wrap="square" rtlCol="0">
+            <a:spAutoFit/>
+          </a:bodyPr>
+          <a:lstStyle/>
+          <a:p>
+            <a:r>
+              <a:rPr lang="en-US" altLang="zh-CN" sz="800" dirty="0" smtClean="0"/>
+              <a:t>Acquire</a:t>
+            </a:r>
+            <a:endParaRPr lang="zh-CN" altLang="en-US" sz="800" dirty="0"/>
+          </a:p>
+        </p:txBody>
+      </p:sp>
+      <p:sp>
+        <p:nvSpPr>
+          <p:cNvPr id="34" name="文本框 33"/>
+          <p:cNvSpPr txBox="1"/>
+          <p:nvPr/>
+        </p:nvSpPr>
+        <p:spPr>
+          <a:xfrm>
+            <a:off x="5084453" y="2323611"/>
+            <a:ext cx="593810" cy="215444"/>
+          </a:xfrm>
+          <a:prstGeom prst="rect">
+            <a:avLst/>
+          </a:prstGeom>
+          <a:noFill/>
+        </p:spPr>
+        <p:txBody>
+          <a:bodyPr wrap="square" rtlCol="0">
+            <a:spAutoFit/>
+          </a:bodyPr>
+          <a:lstStyle/>
+          <a:p>
+            <a:r>
+              <a:rPr lang="en-US" altLang="zh-CN" sz="800" dirty="0" smtClean="0"/>
+              <a:t>Release</a:t>
+            </a:r>
+            <a:endParaRPr lang="zh-CN" altLang="en-US" sz="800" dirty="0"/>
+          </a:p>
+        </p:txBody>
+      </p:sp>
+      <p:sp>
+        <p:nvSpPr>
+          <p:cNvPr id="35" name="文本框 34"/>
+          <p:cNvSpPr txBox="1"/>
+          <p:nvPr/>
+        </p:nvSpPr>
+        <p:spPr>
+          <a:xfrm>
+            <a:off x="5072476" y="2908803"/>
+            <a:ext cx="593810" cy="215444"/>
+          </a:xfrm>
+          <a:prstGeom prst="rect">
+            <a:avLst/>
+          </a:prstGeom>
+          <a:noFill/>
+        </p:spPr>
+        <p:txBody>
+          <a:bodyPr wrap="square" rtlCol="0">
+            <a:spAutoFit/>
+          </a:bodyPr>
+          <a:lstStyle/>
+          <a:p>
+            <a:r>
+              <a:rPr lang="en-US" altLang="zh-CN" sz="800" dirty="0" smtClean="0"/>
+              <a:t>Acquire</a:t>
+            </a:r>
+            <a:endParaRPr lang="zh-CN" altLang="en-US" sz="800" dirty="0"/>
+          </a:p>
+        </p:txBody>
+      </p:sp>
+      <p:sp>
+        <p:nvSpPr>
+          <p:cNvPr id="36" name="文本框 35"/>
+          <p:cNvSpPr txBox="1"/>
+          <p:nvPr/>
+        </p:nvSpPr>
+        <p:spPr>
+          <a:xfrm>
+            <a:off x="5744669" y="2908803"/>
+            <a:ext cx="593810" cy="215444"/>
+          </a:xfrm>
+          <a:prstGeom prst="rect">
+            <a:avLst/>
+          </a:prstGeom>
+          <a:noFill/>
+        </p:spPr>
+        <p:txBody>
+          <a:bodyPr wrap="square" rtlCol="0">
+            <a:spAutoFit/>
+          </a:bodyPr>
+          <a:lstStyle/>
+          <a:p>
+            <a:r>
+              <a:rPr lang="en-US" altLang="zh-CN" sz="800" dirty="0" smtClean="0"/>
+              <a:t>Release</a:t>
+            </a:r>
+            <a:endParaRPr lang="zh-CN" altLang="en-US" sz="800" dirty="0"/>
+          </a:p>
+        </p:txBody>
+      </p:sp>
+      <p:sp>
+        <p:nvSpPr>
+          <p:cNvPr id="37" name="文本框 36"/>
+          <p:cNvSpPr txBox="1"/>
+          <p:nvPr/>
+        </p:nvSpPr>
+        <p:spPr>
+          <a:xfrm>
+            <a:off x="5764536" y="3495286"/>
+            <a:ext cx="593810" cy="215444"/>
+          </a:xfrm>
+          <a:prstGeom prst="rect">
+            <a:avLst/>
+          </a:prstGeom>
+          <a:noFill/>
+        </p:spPr>
+        <p:txBody>
+          <a:bodyPr wrap="square" rtlCol="0">
+            <a:spAutoFit/>
+          </a:bodyPr>
+          <a:lstStyle/>
+          <a:p>
+            <a:r>
+              <a:rPr lang="en-US" altLang="zh-CN" sz="800" dirty="0" smtClean="0"/>
+              <a:t>Acquire</a:t>
+            </a:r>
+            <a:endParaRPr lang="zh-CN" altLang="en-US" sz="800" dirty="0"/>
+          </a:p>
+        </p:txBody>
+      </p:sp>
+      <p:sp>
+        <p:nvSpPr>
+          <p:cNvPr id="38" name="文本框 37"/>
+          <p:cNvSpPr txBox="1"/>
+          <p:nvPr/>
+        </p:nvSpPr>
+        <p:spPr>
+          <a:xfrm>
+            <a:off x="6436729" y="3495286"/>
+            <a:ext cx="593810" cy="215444"/>
+          </a:xfrm>
+          <a:prstGeom prst="rect">
+            <a:avLst/>
+          </a:prstGeom>
+          <a:noFill/>
+        </p:spPr>
+        <p:txBody>
+          <a:bodyPr wrap="square" rtlCol="0">
+            <a:spAutoFit/>
+          </a:bodyPr>
+          <a:lstStyle/>
+          <a:p>
+            <a:r>
+              <a:rPr lang="en-US" altLang="zh-CN" sz="800" dirty="0" smtClean="0"/>
+              <a:t>Release</a:t>
+            </a:r>
+            <a:endParaRPr lang="zh-CN" altLang="en-US" sz="800" dirty="0"/>
+          </a:p>
+        </p:txBody>
+      </p:sp>
+      <p:sp>
+        <p:nvSpPr>
+          <p:cNvPr id="40" name="文本框 39"/>
+          <p:cNvSpPr txBox="1"/>
+          <p:nvPr/>
+        </p:nvSpPr>
+        <p:spPr>
+          <a:xfrm>
+            <a:off x="4687930" y="2598373"/>
+            <a:ext cx="650964" cy="261610"/>
+          </a:xfrm>
+          <a:prstGeom prst="rect">
+            <a:avLst/>
+          </a:prstGeom>
+          <a:noFill/>
+        </p:spPr>
+        <p:txBody>
+          <a:bodyPr wrap="square" rtlCol="0">
+            <a:spAutoFit/>
+          </a:bodyPr>
+          <a:lstStyle/>
+          <a:p>
+            <a:r>
+              <a:rPr lang="zh-CN" altLang="en-US" sz="1050" dirty="0" smtClean="0"/>
+              <a:t>临界区</a:t>
+            </a:r>
+            <a:endParaRPr lang="zh-CN" altLang="en-US" sz="1050" dirty="0"/>
+          </a:p>
+        </p:txBody>
+      </p:sp>
+      <p:sp>
+        <p:nvSpPr>
+          <p:cNvPr id="41" name="文本框 40"/>
+          <p:cNvSpPr txBox="1"/>
+          <p:nvPr/>
+        </p:nvSpPr>
+        <p:spPr>
+          <a:xfrm>
+            <a:off x="5396046" y="3223358"/>
+            <a:ext cx="650964" cy="261610"/>
+          </a:xfrm>
+          <a:prstGeom prst="rect">
+            <a:avLst/>
+          </a:prstGeom>
+          <a:noFill/>
+        </p:spPr>
+        <p:txBody>
+          <a:bodyPr wrap="square" rtlCol="0">
+            <a:spAutoFit/>
+          </a:bodyPr>
+          <a:lstStyle/>
+          <a:p>
+            <a:r>
+              <a:rPr lang="zh-CN" altLang="en-US" sz="1050" dirty="0" smtClean="0"/>
+              <a:t>临界区</a:t>
+            </a:r>
+            <a:endParaRPr lang="zh-CN" altLang="en-US" sz="1050" dirty="0"/>
+          </a:p>
+        </p:txBody>
+      </p:sp>
+      <p:sp>
+        <p:nvSpPr>
+          <p:cNvPr id="42" name="文本框 41"/>
+          <p:cNvSpPr txBox="1"/>
+          <p:nvPr/>
+        </p:nvSpPr>
+        <p:spPr>
+          <a:xfrm>
+            <a:off x="6065242" y="3809711"/>
+            <a:ext cx="650964" cy="261610"/>
+          </a:xfrm>
+          <a:prstGeom prst="rect">
+            <a:avLst/>
+          </a:prstGeom>
+          <a:noFill/>
+        </p:spPr>
+        <p:txBody>
+          <a:bodyPr wrap="square" rtlCol="0">
+            <a:spAutoFit/>
+          </a:bodyPr>
+          <a:lstStyle/>
+          <a:p>
+            <a:r>
+              <a:rPr lang="zh-CN" altLang="en-US" sz="1050" dirty="0" smtClean="0"/>
+              <a:t>临界区</a:t>
+            </a:r>
+            <a:endParaRPr lang="zh-CN" altLang="en-US" sz="1050" dirty="0"/>
+          </a:p>
+        </p:txBody>
+      </p:sp>
+      <p:sp>
+        <p:nvSpPr>
+          <p:cNvPr id="43" name="文本框 42"/>
+          <p:cNvSpPr txBox="1"/>
+          <p:nvPr/>
+        </p:nvSpPr>
+        <p:spPr>
+          <a:xfrm>
+            <a:off x="4624255" y="3223358"/>
+            <a:ext cx="650964" cy="261610"/>
+          </a:xfrm>
+          <a:prstGeom prst="rect">
+            <a:avLst/>
+          </a:prstGeom>
+          <a:noFill/>
+        </p:spPr>
+        <p:txBody>
+          <a:bodyPr wrap="square" rtlCol="0">
+            <a:spAutoFit/>
+          </a:bodyPr>
+          <a:lstStyle/>
+          <a:p>
+            <a:r>
+              <a:rPr lang="zh-CN" altLang="en-US" sz="1050" dirty="0" smtClean="0"/>
+              <a:t>等待</a:t>
+            </a:r>
+            <a:r>
+              <a:rPr lang="en-US" altLang="zh-CN" sz="1050" dirty="0" smtClean="0"/>
+              <a:t>…</a:t>
+            </a:r>
+            <a:endParaRPr lang="zh-CN" altLang="en-US" sz="1050" dirty="0"/>
+          </a:p>
+        </p:txBody>
+      </p:sp>
+      <p:sp>
+        <p:nvSpPr>
+          <p:cNvPr id="44" name="文本框 43"/>
+          <p:cNvSpPr txBox="1"/>
+          <p:nvPr/>
+        </p:nvSpPr>
+        <p:spPr>
+          <a:xfrm>
+            <a:off x="4979669" y="3802318"/>
+            <a:ext cx="650964" cy="261610"/>
+          </a:xfrm>
+          <a:prstGeom prst="rect">
+            <a:avLst/>
+          </a:prstGeom>
+          <a:noFill/>
+        </p:spPr>
+        <p:txBody>
+          <a:bodyPr wrap="square" rtlCol="0">
+            <a:spAutoFit/>
+          </a:bodyPr>
+          <a:lstStyle/>
+          <a:p>
+            <a:r>
+              <a:rPr lang="zh-CN" altLang="en-US" sz="1050" dirty="0" smtClean="0"/>
+              <a:t>等待</a:t>
+            </a:r>
+            <a:r>
+              <a:rPr lang="en-US" altLang="zh-CN" sz="1050" dirty="0" smtClean="0"/>
+              <a:t>…</a:t>
+            </a:r>
+            <a:endParaRPr lang="zh-CN" altLang="en-US" sz="1050" dirty="0"/>
+          </a:p>
+        </p:txBody>
+      </p:sp>
     </p:spTree>
     <p:extLst>
       <p:ext uri="{BB962C8B-B14F-4D97-AF65-F5344CB8AC3E}">
@@ -3211,6 +4359,2022 @@
           <a:chExt cx="0" cy="0"/>
         </a:xfrm>
       </p:grpSpPr>
+      <p:sp>
+        <p:nvSpPr>
+          <p:cNvPr id="77" name="圆角矩形 76"/>
+          <p:cNvSpPr/>
+          <p:nvPr/>
+        </p:nvSpPr>
+        <p:spPr>
+          <a:xfrm>
+            <a:off x="4926843" y="1322696"/>
+            <a:ext cx="1637732" cy="2146954"/>
+          </a:xfrm>
+          <a:prstGeom prst="roundRect">
+            <a:avLst>
+              <a:gd name="adj" fmla="val 10851"/>
+            </a:avLst>
+          </a:prstGeom>
+        </p:spPr>
+        <p:style>
+          <a:lnRef idx="1">
+            <a:schemeClr val="accent5"/>
+          </a:lnRef>
+          <a:fillRef idx="2">
+            <a:schemeClr val="accent5"/>
+          </a:fillRef>
+          <a:effectRef idx="1">
+            <a:schemeClr val="accent5"/>
+          </a:effectRef>
+          <a:fontRef idx="minor">
+            <a:schemeClr val="dk1"/>
+          </a:fontRef>
+        </p:style>
+        <p:txBody>
+          <a:bodyPr rtlCol="0" anchor="ctr"/>
+          <a:lstStyle/>
+          <a:p>
+            <a:pPr algn="ctr"/>
+            <a:endParaRPr lang="zh-CN" altLang="en-US"/>
+          </a:p>
+        </p:txBody>
+      </p:sp>
+      <p:sp>
+        <p:nvSpPr>
+          <p:cNvPr id="2" name="矩形 1"/>
+          <p:cNvSpPr/>
+          <p:nvPr/>
+        </p:nvSpPr>
+        <p:spPr>
+          <a:xfrm>
+            <a:off x="1651379" y="1692323"/>
+            <a:ext cx="818866" cy="368490"/>
+          </a:xfrm>
+          <a:prstGeom prst="rect">
+            <a:avLst/>
+          </a:prstGeom>
+        </p:spPr>
+        <p:style>
+          <a:lnRef idx="2">
+            <a:schemeClr val="accent1">
+              <a:shade val="50000"/>
+            </a:schemeClr>
+          </a:lnRef>
+          <a:fillRef idx="1">
+            <a:schemeClr val="accent1"/>
+          </a:fillRef>
+          <a:effectRef idx="0">
+            <a:schemeClr val="accent1"/>
+          </a:effectRef>
+          <a:fontRef idx="minor">
+            <a:schemeClr val="lt1"/>
+          </a:fontRef>
+        </p:style>
+        <p:txBody>
+          <a:bodyPr rtlCol="0" anchor="ctr"/>
+          <a:lstStyle/>
+          <a:p>
+            <a:pPr algn="ctr"/>
+            <a:r>
+              <a:rPr lang="en-US" altLang="zh-CN" sz="1200" dirty="0" smtClean="0"/>
+              <a:t>0x0ffffff8</a:t>
+            </a:r>
+            <a:endParaRPr lang="zh-CN" altLang="en-US" sz="1200" dirty="0"/>
+          </a:p>
+        </p:txBody>
+      </p:sp>
+      <p:sp>
+        <p:nvSpPr>
+          <p:cNvPr id="3" name="矩形 2"/>
+          <p:cNvSpPr/>
+          <p:nvPr/>
+        </p:nvSpPr>
+        <p:spPr>
+          <a:xfrm>
+            <a:off x="2470245" y="1692323"/>
+            <a:ext cx="818866" cy="368490"/>
+          </a:xfrm>
+          <a:prstGeom prst="rect">
+            <a:avLst/>
+          </a:prstGeom>
+        </p:spPr>
+        <p:style>
+          <a:lnRef idx="2">
+            <a:schemeClr val="accent1">
+              <a:shade val="50000"/>
+            </a:schemeClr>
+          </a:lnRef>
+          <a:fillRef idx="1">
+            <a:schemeClr val="accent1"/>
+          </a:fillRef>
+          <a:effectRef idx="0">
+            <a:schemeClr val="accent1"/>
+          </a:effectRef>
+          <a:fontRef idx="minor">
+            <a:schemeClr val="lt1"/>
+          </a:fontRef>
+        </p:style>
+        <p:txBody>
+          <a:bodyPr rtlCol="0" anchor="ctr"/>
+          <a:lstStyle/>
+          <a:p>
+            <a:pPr algn="ctr"/>
+            <a:r>
+              <a:rPr lang="en-US" altLang="zh-CN" sz="1200" dirty="0" smtClean="0"/>
+              <a:t>0x0fffffff</a:t>
+            </a:r>
+            <a:endParaRPr lang="zh-CN" altLang="en-US" sz="1200" dirty="0"/>
+          </a:p>
+        </p:txBody>
+      </p:sp>
+      <p:sp>
+        <p:nvSpPr>
+          <p:cNvPr id="4" name="矩形 3"/>
+          <p:cNvSpPr/>
+          <p:nvPr/>
+        </p:nvSpPr>
+        <p:spPr>
+          <a:xfrm>
+            <a:off x="3289111" y="1692323"/>
+            <a:ext cx="818866" cy="368490"/>
+          </a:xfrm>
+          <a:prstGeom prst="rect">
+            <a:avLst/>
+          </a:prstGeom>
+        </p:spPr>
+        <p:style>
+          <a:lnRef idx="2">
+            <a:schemeClr val="accent1">
+              <a:shade val="50000"/>
+            </a:schemeClr>
+          </a:lnRef>
+          <a:fillRef idx="1">
+            <a:schemeClr val="accent1"/>
+          </a:fillRef>
+          <a:effectRef idx="0">
+            <a:schemeClr val="accent1"/>
+          </a:effectRef>
+          <a:fontRef idx="minor">
+            <a:schemeClr val="lt1"/>
+          </a:fontRef>
+        </p:style>
+        <p:txBody>
+          <a:bodyPr rtlCol="0" anchor="ctr"/>
+          <a:lstStyle/>
+          <a:p>
+            <a:pPr algn="ctr"/>
+            <a:r>
+              <a:rPr lang="en-US" altLang="zh-CN" sz="1200" dirty="0" smtClean="0"/>
+              <a:t>0x0ffffff8</a:t>
+            </a:r>
+            <a:endParaRPr lang="zh-CN" altLang="en-US" sz="1200" dirty="0"/>
+          </a:p>
+        </p:txBody>
+      </p:sp>
+      <p:sp>
+        <p:nvSpPr>
+          <p:cNvPr id="5" name="矩形 4"/>
+          <p:cNvSpPr/>
+          <p:nvPr/>
+        </p:nvSpPr>
+        <p:spPr>
+          <a:xfrm>
+            <a:off x="4107977" y="1692323"/>
+            <a:ext cx="818866" cy="368490"/>
+          </a:xfrm>
+          <a:prstGeom prst="rect">
+            <a:avLst/>
+          </a:prstGeom>
+        </p:spPr>
+        <p:style>
+          <a:lnRef idx="2">
+            <a:schemeClr val="accent1">
+              <a:shade val="50000"/>
+            </a:schemeClr>
+          </a:lnRef>
+          <a:fillRef idx="1">
+            <a:schemeClr val="accent1"/>
+          </a:fillRef>
+          <a:effectRef idx="0">
+            <a:schemeClr val="accent1"/>
+          </a:effectRef>
+          <a:fontRef idx="minor">
+            <a:schemeClr val="lt1"/>
+          </a:fontRef>
+        </p:style>
+        <p:txBody>
+          <a:bodyPr rtlCol="0" anchor="ctr"/>
+          <a:lstStyle/>
+          <a:p>
+            <a:pPr algn="ctr"/>
+            <a:r>
+              <a:rPr lang="en-US" altLang="zh-CN" sz="1200" dirty="0" smtClean="0"/>
+              <a:t>0x0fffffff</a:t>
+            </a:r>
+            <a:endParaRPr lang="zh-CN" altLang="en-US" sz="1200" dirty="0"/>
+          </a:p>
+        </p:txBody>
+      </p:sp>
+      <p:sp>
+        <p:nvSpPr>
+          <p:cNvPr id="6" name="矩形 5"/>
+          <p:cNvSpPr/>
+          <p:nvPr/>
+        </p:nvSpPr>
+        <p:spPr>
+          <a:xfrm>
+            <a:off x="4926843" y="1692323"/>
+            <a:ext cx="818866" cy="368490"/>
+          </a:xfrm>
+          <a:prstGeom prst="rect">
+            <a:avLst/>
+          </a:prstGeom>
+          <a:ln>
+            <a:solidFill>
+              <a:srgbClr val="FF0000"/>
+            </a:solidFill>
+          </a:ln>
+        </p:spPr>
+        <p:style>
+          <a:lnRef idx="2">
+            <a:schemeClr val="accent1">
+              <a:shade val="50000"/>
+            </a:schemeClr>
+          </a:lnRef>
+          <a:fillRef idx="1">
+            <a:schemeClr val="accent1"/>
+          </a:fillRef>
+          <a:effectRef idx="0">
+            <a:schemeClr val="accent1"/>
+          </a:effectRef>
+          <a:fontRef idx="minor">
+            <a:schemeClr val="lt1"/>
+          </a:fontRef>
+        </p:style>
+        <p:txBody>
+          <a:bodyPr rtlCol="0" anchor="ctr"/>
+          <a:lstStyle/>
+          <a:p>
+            <a:pPr algn="ctr"/>
+            <a:r>
+              <a:rPr lang="en-US" altLang="zh-CN" sz="1200" dirty="0" smtClean="0"/>
+              <a:t>0x05</a:t>
+            </a:r>
+            <a:endParaRPr lang="zh-CN" altLang="en-US" sz="1200" dirty="0"/>
+          </a:p>
+        </p:txBody>
+      </p:sp>
+      <p:sp>
+        <p:nvSpPr>
+          <p:cNvPr id="7" name="矩形 6"/>
+          <p:cNvSpPr/>
+          <p:nvPr/>
+        </p:nvSpPr>
+        <p:spPr>
+          <a:xfrm>
+            <a:off x="5745709" y="1692323"/>
+            <a:ext cx="818866" cy="368490"/>
+          </a:xfrm>
+          <a:prstGeom prst="rect">
+            <a:avLst/>
+          </a:prstGeom>
+          <a:ln>
+            <a:solidFill>
+              <a:srgbClr val="FF0000"/>
+            </a:solidFill>
+          </a:ln>
+        </p:spPr>
+        <p:style>
+          <a:lnRef idx="2">
+            <a:schemeClr val="accent1">
+              <a:shade val="50000"/>
+            </a:schemeClr>
+          </a:lnRef>
+          <a:fillRef idx="1">
+            <a:schemeClr val="accent1"/>
+          </a:fillRef>
+          <a:effectRef idx="0">
+            <a:schemeClr val="accent1"/>
+          </a:effectRef>
+          <a:fontRef idx="minor">
+            <a:schemeClr val="lt1"/>
+          </a:fontRef>
+        </p:style>
+        <p:txBody>
+          <a:bodyPr rtlCol="0" anchor="ctr"/>
+          <a:lstStyle/>
+          <a:p>
+            <a:pPr algn="ctr"/>
+            <a:r>
+              <a:rPr lang="en-US" altLang="zh-CN" sz="1200" dirty="0" smtClean="0"/>
+              <a:t>0x0fffffff</a:t>
+            </a:r>
+            <a:endParaRPr lang="zh-CN" altLang="en-US" sz="1200" dirty="0"/>
+          </a:p>
+        </p:txBody>
+      </p:sp>
+      <p:sp>
+        <p:nvSpPr>
+          <p:cNvPr id="8" name="矩形 7"/>
+          <p:cNvSpPr/>
+          <p:nvPr/>
+        </p:nvSpPr>
+        <p:spPr>
+          <a:xfrm>
+            <a:off x="6564575" y="1692323"/>
+            <a:ext cx="818866" cy="368490"/>
+          </a:xfrm>
+          <a:prstGeom prst="rect">
+            <a:avLst/>
+          </a:prstGeom>
+        </p:spPr>
+        <p:style>
+          <a:lnRef idx="2">
+            <a:schemeClr val="accent1">
+              <a:shade val="50000"/>
+            </a:schemeClr>
+          </a:lnRef>
+          <a:fillRef idx="1">
+            <a:schemeClr val="accent1"/>
+          </a:fillRef>
+          <a:effectRef idx="0">
+            <a:schemeClr val="accent1"/>
+          </a:effectRef>
+          <a:fontRef idx="minor">
+            <a:schemeClr val="lt1"/>
+          </a:fontRef>
+        </p:style>
+        <p:txBody>
+          <a:bodyPr rtlCol="0" anchor="ctr"/>
+          <a:lstStyle/>
+          <a:p>
+            <a:pPr algn="ctr"/>
+            <a:endParaRPr lang="zh-CN" altLang="en-US" sz="1200"/>
+          </a:p>
+        </p:txBody>
+      </p:sp>
+      <p:sp>
+        <p:nvSpPr>
+          <p:cNvPr id="9" name="矩形 8"/>
+          <p:cNvSpPr/>
+          <p:nvPr/>
+        </p:nvSpPr>
+        <p:spPr>
+          <a:xfrm>
+            <a:off x="7383441" y="1692323"/>
+            <a:ext cx="818866" cy="368490"/>
+          </a:xfrm>
+          <a:prstGeom prst="rect">
+            <a:avLst/>
+          </a:prstGeom>
+        </p:spPr>
+        <p:style>
+          <a:lnRef idx="2">
+            <a:schemeClr val="accent1">
+              <a:shade val="50000"/>
+            </a:schemeClr>
+          </a:lnRef>
+          <a:fillRef idx="1">
+            <a:schemeClr val="accent1"/>
+          </a:fillRef>
+          <a:effectRef idx="0">
+            <a:schemeClr val="accent1"/>
+          </a:effectRef>
+          <a:fontRef idx="minor">
+            <a:schemeClr val="lt1"/>
+          </a:fontRef>
+        </p:style>
+        <p:txBody>
+          <a:bodyPr rtlCol="0" anchor="ctr"/>
+          <a:lstStyle/>
+          <a:p>
+            <a:pPr algn="ctr"/>
+            <a:endParaRPr lang="zh-CN" altLang="en-US" sz="1200" dirty="0"/>
+          </a:p>
+        </p:txBody>
+      </p:sp>
+      <p:sp>
+        <p:nvSpPr>
+          <p:cNvPr id="10" name="矩形 9"/>
+          <p:cNvSpPr/>
+          <p:nvPr/>
+        </p:nvSpPr>
+        <p:spPr>
+          <a:xfrm>
+            <a:off x="3289111" y="2731827"/>
+            <a:ext cx="818866" cy="368490"/>
+          </a:xfrm>
+          <a:prstGeom prst="rect">
+            <a:avLst/>
+          </a:prstGeom>
+        </p:spPr>
+        <p:style>
+          <a:lnRef idx="2">
+            <a:schemeClr val="accent1">
+              <a:shade val="50000"/>
+            </a:schemeClr>
+          </a:lnRef>
+          <a:fillRef idx="1">
+            <a:schemeClr val="accent1"/>
+          </a:fillRef>
+          <a:effectRef idx="0">
+            <a:schemeClr val="accent1"/>
+          </a:effectRef>
+          <a:fontRef idx="minor">
+            <a:schemeClr val="lt1"/>
+          </a:fontRef>
+        </p:style>
+        <p:txBody>
+          <a:bodyPr rtlCol="0" anchor="ctr"/>
+          <a:lstStyle/>
+          <a:p>
+            <a:pPr algn="ctr"/>
+            <a:endParaRPr lang="zh-CN" altLang="en-US" sz="1200"/>
+          </a:p>
+        </p:txBody>
+      </p:sp>
+      <p:sp>
+        <p:nvSpPr>
+          <p:cNvPr id="11" name="矩形 10"/>
+          <p:cNvSpPr/>
+          <p:nvPr/>
+        </p:nvSpPr>
+        <p:spPr>
+          <a:xfrm>
+            <a:off x="4107977" y="2731827"/>
+            <a:ext cx="818866" cy="368490"/>
+          </a:xfrm>
+          <a:prstGeom prst="rect">
+            <a:avLst/>
+          </a:prstGeom>
+        </p:spPr>
+        <p:style>
+          <a:lnRef idx="2">
+            <a:schemeClr val="accent1">
+              <a:shade val="50000"/>
+            </a:schemeClr>
+          </a:lnRef>
+          <a:fillRef idx="1">
+            <a:schemeClr val="accent1"/>
+          </a:fillRef>
+          <a:effectRef idx="0">
+            <a:schemeClr val="accent1"/>
+          </a:effectRef>
+          <a:fontRef idx="minor">
+            <a:schemeClr val="lt1"/>
+          </a:fontRef>
+        </p:style>
+        <p:txBody>
+          <a:bodyPr rtlCol="0" anchor="ctr"/>
+          <a:lstStyle/>
+          <a:p>
+            <a:pPr algn="ctr"/>
+            <a:endParaRPr lang="zh-CN" altLang="en-US" sz="1200" dirty="0"/>
+          </a:p>
+        </p:txBody>
+      </p:sp>
+      <p:sp>
+        <p:nvSpPr>
+          <p:cNvPr id="12" name="矩形 11"/>
+          <p:cNvSpPr/>
+          <p:nvPr/>
+        </p:nvSpPr>
+        <p:spPr>
+          <a:xfrm>
+            <a:off x="4926843" y="2731827"/>
+            <a:ext cx="818866" cy="368490"/>
+          </a:xfrm>
+          <a:prstGeom prst="rect">
+            <a:avLst/>
+          </a:prstGeom>
+          <a:ln>
+            <a:solidFill>
+              <a:srgbClr val="FF0000"/>
+            </a:solidFill>
+          </a:ln>
+        </p:spPr>
+        <p:style>
+          <a:lnRef idx="2">
+            <a:schemeClr val="accent1">
+              <a:shade val="50000"/>
+            </a:schemeClr>
+          </a:lnRef>
+          <a:fillRef idx="1">
+            <a:schemeClr val="accent1"/>
+          </a:fillRef>
+          <a:effectRef idx="0">
+            <a:schemeClr val="accent1"/>
+          </a:effectRef>
+          <a:fontRef idx="minor">
+            <a:schemeClr val="lt1"/>
+          </a:fontRef>
+        </p:style>
+        <p:txBody>
+          <a:bodyPr rtlCol="0" anchor="ctr"/>
+          <a:lstStyle/>
+          <a:p>
+            <a:pPr algn="ctr"/>
+            <a:endParaRPr lang="zh-CN" altLang="en-US" sz="1200"/>
+          </a:p>
+        </p:txBody>
+      </p:sp>
+      <p:sp>
+        <p:nvSpPr>
+          <p:cNvPr id="13" name="矩形 12"/>
+          <p:cNvSpPr/>
+          <p:nvPr/>
+        </p:nvSpPr>
+        <p:spPr>
+          <a:xfrm>
+            <a:off x="5745709" y="2731827"/>
+            <a:ext cx="818866" cy="368490"/>
+          </a:xfrm>
+          <a:prstGeom prst="rect">
+            <a:avLst/>
+          </a:prstGeom>
+          <a:ln>
+            <a:solidFill>
+              <a:srgbClr val="FF0000"/>
+            </a:solidFill>
+          </a:ln>
+        </p:spPr>
+        <p:style>
+          <a:lnRef idx="2">
+            <a:schemeClr val="accent1">
+              <a:shade val="50000"/>
+            </a:schemeClr>
+          </a:lnRef>
+          <a:fillRef idx="1">
+            <a:schemeClr val="accent1"/>
+          </a:fillRef>
+          <a:effectRef idx="0">
+            <a:schemeClr val="accent1"/>
+          </a:effectRef>
+          <a:fontRef idx="minor">
+            <a:schemeClr val="lt1"/>
+          </a:fontRef>
+        </p:style>
+        <p:txBody>
+          <a:bodyPr rtlCol="0" anchor="ctr"/>
+          <a:lstStyle/>
+          <a:p>
+            <a:pPr algn="ctr"/>
+            <a:endParaRPr lang="zh-CN" altLang="en-US" sz="1200" dirty="0"/>
+          </a:p>
+        </p:txBody>
+      </p:sp>
+      <p:sp>
+        <p:nvSpPr>
+          <p:cNvPr id="14" name="矩形 13"/>
+          <p:cNvSpPr/>
+          <p:nvPr/>
+        </p:nvSpPr>
+        <p:spPr>
+          <a:xfrm>
+            <a:off x="6564575" y="2731827"/>
+            <a:ext cx="818866" cy="368490"/>
+          </a:xfrm>
+          <a:prstGeom prst="rect">
+            <a:avLst/>
+          </a:prstGeom>
+        </p:spPr>
+        <p:style>
+          <a:lnRef idx="2">
+            <a:schemeClr val="accent1">
+              <a:shade val="50000"/>
+            </a:schemeClr>
+          </a:lnRef>
+          <a:fillRef idx="1">
+            <a:schemeClr val="accent1"/>
+          </a:fillRef>
+          <a:effectRef idx="0">
+            <a:schemeClr val="accent1"/>
+          </a:effectRef>
+          <a:fontRef idx="minor">
+            <a:schemeClr val="lt1"/>
+          </a:fontRef>
+        </p:style>
+        <p:txBody>
+          <a:bodyPr rtlCol="0" anchor="ctr"/>
+          <a:lstStyle/>
+          <a:p>
+            <a:pPr algn="ctr"/>
+            <a:endParaRPr lang="zh-CN" altLang="en-US" sz="1200"/>
+          </a:p>
+        </p:txBody>
+      </p:sp>
+      <p:sp>
+        <p:nvSpPr>
+          <p:cNvPr id="15" name="矩形 14"/>
+          <p:cNvSpPr/>
+          <p:nvPr/>
+        </p:nvSpPr>
+        <p:spPr>
+          <a:xfrm>
+            <a:off x="7383441" y="2731827"/>
+            <a:ext cx="818866" cy="368490"/>
+          </a:xfrm>
+          <a:prstGeom prst="rect">
+            <a:avLst/>
+          </a:prstGeom>
+        </p:spPr>
+        <p:style>
+          <a:lnRef idx="2">
+            <a:schemeClr val="accent1">
+              <a:shade val="50000"/>
+            </a:schemeClr>
+          </a:lnRef>
+          <a:fillRef idx="1">
+            <a:schemeClr val="accent1"/>
+          </a:fillRef>
+          <a:effectRef idx="0">
+            <a:schemeClr val="accent1"/>
+          </a:effectRef>
+          <a:fontRef idx="minor">
+            <a:schemeClr val="lt1"/>
+          </a:fontRef>
+        </p:style>
+        <p:txBody>
+          <a:bodyPr rtlCol="0" anchor="ctr"/>
+          <a:lstStyle/>
+          <a:p>
+            <a:pPr algn="ctr"/>
+            <a:endParaRPr lang="zh-CN" altLang="en-US" sz="1200" dirty="0"/>
+          </a:p>
+        </p:txBody>
+      </p:sp>
+      <p:sp>
+        <p:nvSpPr>
+          <p:cNvPr id="18" name="文本框 17"/>
+          <p:cNvSpPr txBox="1"/>
+          <p:nvPr/>
+        </p:nvSpPr>
+        <p:spPr>
+          <a:xfrm>
+            <a:off x="723332" y="1692323"/>
+            <a:ext cx="750626" cy="368490"/>
+          </a:xfrm>
+          <a:prstGeom prst="rect">
+            <a:avLst/>
+          </a:prstGeom>
+          <a:noFill/>
+        </p:spPr>
+        <p:txBody>
+          <a:bodyPr wrap="square" rtlCol="0">
+            <a:spAutoFit/>
+          </a:bodyPr>
+          <a:lstStyle/>
+          <a:p>
+            <a:r>
+              <a:rPr lang="en-US" altLang="zh-CN" dirty="0" smtClean="0"/>
+              <a:t>FAT</a:t>
+            </a:r>
+            <a:endParaRPr lang="zh-CN" altLang="en-US" dirty="0"/>
+          </a:p>
+        </p:txBody>
+      </p:sp>
+      <p:sp>
+        <p:nvSpPr>
+          <p:cNvPr id="19" name="文本框 18"/>
+          <p:cNvSpPr txBox="1"/>
+          <p:nvPr/>
+        </p:nvSpPr>
+        <p:spPr>
+          <a:xfrm>
+            <a:off x="723332" y="2731827"/>
+            <a:ext cx="750626" cy="368490"/>
+          </a:xfrm>
+          <a:prstGeom prst="rect">
+            <a:avLst/>
+          </a:prstGeom>
+          <a:noFill/>
+        </p:spPr>
+        <p:txBody>
+          <a:bodyPr wrap="square" rtlCol="0">
+            <a:spAutoFit/>
+          </a:bodyPr>
+          <a:lstStyle/>
+          <a:p>
+            <a:r>
+              <a:rPr lang="en-US" altLang="zh-CN" dirty="0" smtClean="0"/>
+              <a:t>Data</a:t>
+            </a:r>
+            <a:endParaRPr lang="zh-CN" altLang="en-US" dirty="0"/>
+          </a:p>
+        </p:txBody>
+      </p:sp>
+      <p:sp>
+        <p:nvSpPr>
+          <p:cNvPr id="20" name="文本框 19"/>
+          <p:cNvSpPr txBox="1"/>
+          <p:nvPr/>
+        </p:nvSpPr>
+        <p:spPr>
+          <a:xfrm>
+            <a:off x="2535868" y="3100317"/>
+            <a:ext cx="4847573" cy="369332"/>
+          </a:xfrm>
+          <a:prstGeom prst="rect">
+            <a:avLst/>
+          </a:prstGeom>
+          <a:noFill/>
+        </p:spPr>
+        <p:txBody>
+          <a:bodyPr wrap="square" rtlCol="0">
+            <a:spAutoFit/>
+          </a:bodyPr>
+          <a:lstStyle/>
+          <a:p>
+            <a:r>
+              <a:rPr lang="en-US" altLang="zh-CN" dirty="0" smtClean="0"/>
+              <a:t>Cluster     #2           #3             #4          #5             ….</a:t>
+            </a:r>
+            <a:endParaRPr lang="zh-CN" altLang="en-US" dirty="0"/>
+          </a:p>
+        </p:txBody>
+      </p:sp>
+      <p:sp>
+        <p:nvSpPr>
+          <p:cNvPr id="21" name="文本框 20"/>
+          <p:cNvSpPr txBox="1"/>
+          <p:nvPr/>
+        </p:nvSpPr>
+        <p:spPr>
+          <a:xfrm>
+            <a:off x="1651379" y="1323833"/>
+            <a:ext cx="5732062" cy="368490"/>
+          </a:xfrm>
+          <a:prstGeom prst="rect">
+            <a:avLst/>
+          </a:prstGeom>
+          <a:noFill/>
+        </p:spPr>
+        <p:txBody>
+          <a:bodyPr wrap="square" rtlCol="0">
+            <a:spAutoFit/>
+          </a:bodyPr>
+          <a:lstStyle/>
+          <a:p>
+            <a:r>
+              <a:rPr lang="en-US" altLang="zh-CN" dirty="0"/>
+              <a:t> </a:t>
+            </a:r>
+            <a:r>
+              <a:rPr lang="en-US" altLang="zh-CN" dirty="0" smtClean="0"/>
+              <a:t>   #0           #1           #2             #3          #4           #5           …</a:t>
+            </a:r>
+            <a:endParaRPr lang="zh-CN" altLang="en-US" dirty="0"/>
+          </a:p>
+        </p:txBody>
+      </p:sp>
+      <p:sp>
+        <p:nvSpPr>
+          <p:cNvPr id="22" name="矩形 21"/>
+          <p:cNvSpPr/>
+          <p:nvPr/>
+        </p:nvSpPr>
+        <p:spPr>
+          <a:xfrm>
+            <a:off x="2470245" y="4125463"/>
+            <a:ext cx="818866" cy="368490"/>
+          </a:xfrm>
+          <a:prstGeom prst="rect">
+            <a:avLst/>
+          </a:prstGeom>
+        </p:spPr>
+        <p:style>
+          <a:lnRef idx="2">
+            <a:schemeClr val="accent1">
+              <a:shade val="50000"/>
+            </a:schemeClr>
+          </a:lnRef>
+          <a:fillRef idx="1">
+            <a:schemeClr val="accent1"/>
+          </a:fillRef>
+          <a:effectRef idx="0">
+            <a:schemeClr val="accent1"/>
+          </a:effectRef>
+          <a:fontRef idx="minor">
+            <a:schemeClr val="lt1"/>
+          </a:fontRef>
+        </p:style>
+        <p:txBody>
+          <a:bodyPr rtlCol="0" anchor="ctr"/>
+          <a:lstStyle/>
+          <a:p>
+            <a:pPr algn="ctr"/>
+            <a:r>
+              <a:rPr lang="en-US" altLang="zh-CN" sz="1200" dirty="0" smtClean="0"/>
+              <a:t>32B</a:t>
+            </a:r>
+            <a:endParaRPr lang="zh-CN" altLang="en-US" sz="1200" dirty="0"/>
+          </a:p>
+        </p:txBody>
+      </p:sp>
+      <p:sp>
+        <p:nvSpPr>
+          <p:cNvPr id="23" name="矩形 22"/>
+          <p:cNvSpPr/>
+          <p:nvPr/>
+        </p:nvSpPr>
+        <p:spPr>
+          <a:xfrm>
+            <a:off x="3289111" y="4125463"/>
+            <a:ext cx="818866" cy="368490"/>
+          </a:xfrm>
+          <a:prstGeom prst="rect">
+            <a:avLst/>
+          </a:prstGeom>
+        </p:spPr>
+        <p:style>
+          <a:lnRef idx="2">
+            <a:schemeClr val="accent1">
+              <a:shade val="50000"/>
+            </a:schemeClr>
+          </a:lnRef>
+          <a:fillRef idx="1">
+            <a:schemeClr val="accent1"/>
+          </a:fillRef>
+          <a:effectRef idx="0">
+            <a:schemeClr val="accent1"/>
+          </a:effectRef>
+          <a:fontRef idx="minor">
+            <a:schemeClr val="lt1"/>
+          </a:fontRef>
+        </p:style>
+        <p:txBody>
+          <a:bodyPr rtlCol="0" anchor="ctr"/>
+          <a:lstStyle/>
+          <a:p>
+            <a:pPr algn="ctr"/>
+            <a:r>
+              <a:rPr lang="en-US" altLang="zh-CN" sz="1200" dirty="0" smtClean="0"/>
+              <a:t>32B</a:t>
+            </a:r>
+            <a:endParaRPr lang="zh-CN" altLang="en-US" sz="1200" dirty="0"/>
+          </a:p>
+        </p:txBody>
+      </p:sp>
+      <p:sp>
+        <p:nvSpPr>
+          <p:cNvPr id="24" name="矩形 23"/>
+          <p:cNvSpPr/>
+          <p:nvPr/>
+        </p:nvSpPr>
+        <p:spPr>
+          <a:xfrm>
+            <a:off x="4107977" y="4125463"/>
+            <a:ext cx="818866" cy="368490"/>
+          </a:xfrm>
+          <a:prstGeom prst="rect">
+            <a:avLst/>
+          </a:prstGeom>
+        </p:spPr>
+        <p:style>
+          <a:lnRef idx="2">
+            <a:schemeClr val="accent1">
+              <a:shade val="50000"/>
+            </a:schemeClr>
+          </a:lnRef>
+          <a:fillRef idx="1">
+            <a:schemeClr val="accent1"/>
+          </a:fillRef>
+          <a:effectRef idx="0">
+            <a:schemeClr val="accent1"/>
+          </a:effectRef>
+          <a:fontRef idx="minor">
+            <a:schemeClr val="lt1"/>
+          </a:fontRef>
+        </p:style>
+        <p:txBody>
+          <a:bodyPr rtlCol="0" anchor="ctr"/>
+          <a:lstStyle/>
+          <a:p>
+            <a:pPr algn="ctr"/>
+            <a:endParaRPr lang="zh-CN" altLang="en-US" sz="1200"/>
+          </a:p>
+        </p:txBody>
+      </p:sp>
+      <p:cxnSp>
+        <p:nvCxnSpPr>
+          <p:cNvPr id="27" name="直接连接符 26"/>
+          <p:cNvCxnSpPr/>
+          <p:nvPr/>
+        </p:nvCxnSpPr>
+        <p:spPr>
+          <a:xfrm flipV="1">
+            <a:off x="2470245" y="3100317"/>
+            <a:ext cx="818866" cy="1025146"/>
+          </a:xfrm>
+          <a:prstGeom prst="line">
+            <a:avLst/>
+          </a:prstGeom>
+        </p:spPr>
+        <p:style>
+          <a:lnRef idx="1">
+            <a:schemeClr val="accent1"/>
+          </a:lnRef>
+          <a:fillRef idx="0">
+            <a:schemeClr val="accent1"/>
+          </a:fillRef>
+          <a:effectRef idx="0">
+            <a:schemeClr val="accent1"/>
+          </a:effectRef>
+          <a:fontRef idx="minor">
+            <a:schemeClr val="tx1"/>
+          </a:fontRef>
+        </p:style>
+      </p:cxnSp>
+      <p:cxnSp>
+        <p:nvCxnSpPr>
+          <p:cNvPr id="29" name="直接连接符 28"/>
+          <p:cNvCxnSpPr/>
+          <p:nvPr/>
+        </p:nvCxnSpPr>
+        <p:spPr>
+          <a:xfrm flipH="1" flipV="1">
+            <a:off x="4107977" y="3100317"/>
+            <a:ext cx="818866" cy="1024008"/>
+          </a:xfrm>
+          <a:prstGeom prst="line">
+            <a:avLst/>
+          </a:prstGeom>
+        </p:spPr>
+        <p:style>
+          <a:lnRef idx="1">
+            <a:schemeClr val="accent1"/>
+          </a:lnRef>
+          <a:fillRef idx="0">
+            <a:schemeClr val="accent1"/>
+          </a:fillRef>
+          <a:effectRef idx="0">
+            <a:schemeClr val="accent1"/>
+          </a:effectRef>
+          <a:fontRef idx="minor">
+            <a:schemeClr val="tx1"/>
+          </a:fontRef>
+        </p:style>
+      </p:cxnSp>
+      <p:sp>
+        <p:nvSpPr>
+          <p:cNvPr id="30" name="文本框 29"/>
+          <p:cNvSpPr txBox="1"/>
+          <p:nvPr/>
+        </p:nvSpPr>
+        <p:spPr>
+          <a:xfrm>
+            <a:off x="1220025" y="4493953"/>
+            <a:ext cx="6285675" cy="369332"/>
+          </a:xfrm>
+          <a:prstGeom prst="rect">
+            <a:avLst/>
+          </a:prstGeom>
+          <a:noFill/>
+        </p:spPr>
+        <p:txBody>
+          <a:bodyPr wrap="square" rtlCol="0">
+            <a:spAutoFit/>
+          </a:bodyPr>
+          <a:lstStyle/>
+          <a:p>
+            <a:r>
+              <a:rPr lang="en-US" altLang="zh-CN" dirty="0" smtClean="0"/>
+              <a:t>Dir </a:t>
+            </a:r>
+            <a:r>
+              <a:rPr lang="en-US" altLang="zh-CN" dirty="0" err="1" smtClean="0"/>
+              <a:t>struct</a:t>
+            </a:r>
+            <a:r>
+              <a:rPr lang="en-US" altLang="zh-CN" dirty="0" smtClean="0"/>
+              <a:t>        LDIR          DIR           …               LDIR         DIR </a:t>
+            </a:r>
+            <a:endParaRPr lang="zh-CN" altLang="en-US" dirty="0"/>
+          </a:p>
+        </p:txBody>
+      </p:sp>
+      <p:cxnSp>
+        <p:nvCxnSpPr>
+          <p:cNvPr id="33" name="直接连接符 32"/>
+          <p:cNvCxnSpPr>
+            <a:stCxn id="11" idx="0"/>
+            <a:endCxn id="5" idx="2"/>
+          </p:cNvCxnSpPr>
+          <p:nvPr/>
+        </p:nvCxnSpPr>
+        <p:spPr>
+          <a:xfrm flipV="1">
+            <a:off x="4517410" y="2060813"/>
+            <a:ext cx="0" cy="671014"/>
+          </a:xfrm>
+          <a:prstGeom prst="line">
+            <a:avLst/>
+          </a:prstGeom>
+          <a:ln>
+            <a:prstDash val="dash"/>
+            <a:headEnd type="none" w="med" len="med"/>
+            <a:tailEnd type="triangle" w="med" len="med"/>
+          </a:ln>
+        </p:spPr>
+        <p:style>
+          <a:lnRef idx="1">
+            <a:schemeClr val="accent1"/>
+          </a:lnRef>
+          <a:fillRef idx="0">
+            <a:schemeClr val="accent1"/>
+          </a:fillRef>
+          <a:effectRef idx="0">
+            <a:schemeClr val="accent1"/>
+          </a:effectRef>
+          <a:fontRef idx="minor">
+            <a:schemeClr val="tx1"/>
+          </a:fontRef>
+        </p:style>
+      </p:cxnSp>
+      <p:cxnSp>
+        <p:nvCxnSpPr>
+          <p:cNvPr id="35" name="直接连接符 34"/>
+          <p:cNvCxnSpPr>
+            <a:stCxn id="12" idx="0"/>
+            <a:endCxn id="6" idx="2"/>
+          </p:cNvCxnSpPr>
+          <p:nvPr/>
+        </p:nvCxnSpPr>
+        <p:spPr>
+          <a:xfrm flipV="1">
+            <a:off x="5336276" y="2060813"/>
+            <a:ext cx="0" cy="671014"/>
+          </a:xfrm>
+          <a:prstGeom prst="line">
+            <a:avLst/>
+          </a:prstGeom>
+          <a:ln>
+            <a:solidFill>
+              <a:srgbClr val="FF0000"/>
+            </a:solidFill>
+            <a:prstDash val="dash"/>
+            <a:headEnd type="none" w="med" len="med"/>
+            <a:tailEnd type="triangle" w="med" len="med"/>
+          </a:ln>
+        </p:spPr>
+        <p:style>
+          <a:lnRef idx="1">
+            <a:schemeClr val="accent1"/>
+          </a:lnRef>
+          <a:fillRef idx="0">
+            <a:schemeClr val="accent1"/>
+          </a:fillRef>
+          <a:effectRef idx="0">
+            <a:schemeClr val="accent1"/>
+          </a:effectRef>
+          <a:fontRef idx="minor">
+            <a:schemeClr val="tx1"/>
+          </a:fontRef>
+        </p:style>
+      </p:cxnSp>
+      <p:cxnSp>
+        <p:nvCxnSpPr>
+          <p:cNvPr id="37" name="直接箭头连接符 36"/>
+          <p:cNvCxnSpPr>
+            <a:stCxn id="13" idx="0"/>
+            <a:endCxn id="7" idx="2"/>
+          </p:cNvCxnSpPr>
+          <p:nvPr/>
+        </p:nvCxnSpPr>
+        <p:spPr>
+          <a:xfrm flipV="1">
+            <a:off x="6155142" y="2060813"/>
+            <a:ext cx="0" cy="671014"/>
+          </a:xfrm>
+          <a:prstGeom prst="straightConnector1">
+            <a:avLst/>
+          </a:prstGeom>
+          <a:ln>
+            <a:solidFill>
+              <a:srgbClr val="FF0000"/>
+            </a:solidFill>
+            <a:prstDash val="dash"/>
+            <a:headEnd type="none" w="med" len="med"/>
+            <a:tailEnd type="triangle" w="med" len="med"/>
+          </a:ln>
+        </p:spPr>
+        <p:style>
+          <a:lnRef idx="1">
+            <a:schemeClr val="accent1"/>
+          </a:lnRef>
+          <a:fillRef idx="0">
+            <a:schemeClr val="accent1"/>
+          </a:fillRef>
+          <a:effectRef idx="0">
+            <a:schemeClr val="accent1"/>
+          </a:effectRef>
+          <a:fontRef idx="minor">
+            <a:schemeClr val="tx1"/>
+          </a:fontRef>
+        </p:style>
+      </p:cxnSp>
+      <p:pic>
+        <p:nvPicPr>
+          <p:cNvPr id="38" name="图片 37"/>
+          <p:cNvPicPr>
+            <a:picLocks noChangeAspect="1"/>
+          </p:cNvPicPr>
+          <p:nvPr/>
+        </p:nvPicPr>
+        <p:blipFill>
+          <a:blip r:embed="rId2"/>
+          <a:stretch>
+            <a:fillRect/>
+          </a:stretch>
+        </p:blipFill>
+        <p:spPr>
+          <a:xfrm>
+            <a:off x="8761864" y="2690793"/>
+            <a:ext cx="1990476" cy="819048"/>
+          </a:xfrm>
+          <a:prstGeom prst="rect">
+            <a:avLst/>
+          </a:prstGeom>
+        </p:spPr>
+      </p:pic>
+      <p:sp>
+        <p:nvSpPr>
+          <p:cNvPr id="39" name="矩形 38"/>
+          <p:cNvSpPr/>
+          <p:nvPr/>
+        </p:nvSpPr>
+        <p:spPr>
+          <a:xfrm>
+            <a:off x="1994156" y="2433856"/>
+            <a:ext cx="1652568" cy="307777"/>
+          </a:xfrm>
+          <a:prstGeom prst="rect">
+            <a:avLst/>
+          </a:prstGeom>
+        </p:spPr>
+        <p:txBody>
+          <a:bodyPr wrap="none">
+            <a:spAutoFit/>
+          </a:bodyPr>
+          <a:lstStyle/>
+          <a:p>
+            <a:r>
+              <a:rPr lang="zh-CN" altLang="en-US" sz="1400" dirty="0">
+                <a:solidFill>
+                  <a:srgbClr val="FF0000"/>
+                </a:solidFill>
+              </a:rPr>
+              <a:t>BPB_</a:t>
+            </a:r>
+            <a:r>
+              <a:rPr lang="zh-CN" altLang="en-US" sz="1400" dirty="0" smtClean="0">
+                <a:solidFill>
+                  <a:srgbClr val="FF0000"/>
+                </a:solidFill>
+              </a:rPr>
+              <a:t>RootClus</a:t>
+            </a:r>
+            <a:r>
+              <a:rPr lang="en-US" altLang="zh-CN" sz="1400" dirty="0" smtClean="0">
+                <a:solidFill>
+                  <a:srgbClr val="FF0000"/>
+                </a:solidFill>
+              </a:rPr>
+              <a:t>=0x02</a:t>
+            </a:r>
+            <a:endParaRPr lang="zh-CN" altLang="en-US" sz="1400" dirty="0">
+              <a:solidFill>
+                <a:srgbClr val="FF0000"/>
+              </a:solidFill>
+            </a:endParaRPr>
+          </a:p>
+        </p:txBody>
+      </p:sp>
+      <p:sp>
+        <p:nvSpPr>
+          <p:cNvPr id="40" name="矩形 39"/>
+          <p:cNvSpPr/>
+          <p:nvPr/>
+        </p:nvSpPr>
+        <p:spPr>
+          <a:xfrm>
+            <a:off x="1853953" y="4923998"/>
+            <a:ext cx="1521570" cy="307777"/>
+          </a:xfrm>
+          <a:prstGeom prst="rect">
+            <a:avLst/>
+          </a:prstGeom>
+        </p:spPr>
+        <p:txBody>
+          <a:bodyPr wrap="none">
+            <a:spAutoFit/>
+          </a:bodyPr>
+          <a:lstStyle/>
+          <a:p>
+            <a:r>
+              <a:rPr lang="en-US" altLang="zh-CN" sz="1400" dirty="0" err="1" smtClean="0">
+                <a:solidFill>
+                  <a:srgbClr val="FF0000"/>
+                </a:solidFill>
+              </a:rPr>
+              <a:t>aaa</a:t>
+            </a:r>
+            <a:r>
+              <a:rPr lang="zh-CN" altLang="en-US" sz="1400" dirty="0" smtClean="0">
+                <a:solidFill>
+                  <a:srgbClr val="FF0000"/>
+                </a:solidFill>
+              </a:rPr>
+              <a:t>长文件名结构</a:t>
+            </a:r>
+            <a:endParaRPr lang="zh-CN" altLang="en-US" sz="1400" dirty="0">
+              <a:solidFill>
+                <a:srgbClr val="FF0000"/>
+              </a:solidFill>
+            </a:endParaRPr>
+          </a:p>
+        </p:txBody>
+      </p:sp>
+      <p:sp>
+        <p:nvSpPr>
+          <p:cNvPr id="41" name="矩形 40"/>
+          <p:cNvSpPr/>
+          <p:nvPr/>
+        </p:nvSpPr>
+        <p:spPr>
+          <a:xfrm>
+            <a:off x="3391445" y="4909640"/>
+            <a:ext cx="1539204" cy="307777"/>
+          </a:xfrm>
+          <a:prstGeom prst="rect">
+            <a:avLst/>
+          </a:prstGeom>
+        </p:spPr>
+        <p:txBody>
+          <a:bodyPr wrap="none">
+            <a:spAutoFit/>
+          </a:bodyPr>
+          <a:lstStyle/>
+          <a:p>
+            <a:r>
+              <a:rPr lang="en-US" altLang="zh-CN" sz="1400" dirty="0" err="1" smtClean="0">
+                <a:solidFill>
+                  <a:srgbClr val="FF0000"/>
+                </a:solidFill>
+              </a:rPr>
+              <a:t>aaa</a:t>
+            </a:r>
+            <a:r>
+              <a:rPr lang="zh-CN" altLang="en-US" sz="1400" dirty="0" smtClean="0">
+                <a:solidFill>
+                  <a:srgbClr val="FF0000"/>
+                </a:solidFill>
+              </a:rPr>
+              <a:t>短文件名结构</a:t>
+            </a:r>
+            <a:endParaRPr lang="zh-CN" altLang="en-US" sz="1400" dirty="0">
+              <a:solidFill>
+                <a:srgbClr val="FF0000"/>
+              </a:solidFill>
+            </a:endParaRPr>
+          </a:p>
+        </p:txBody>
+      </p:sp>
+      <p:cxnSp>
+        <p:nvCxnSpPr>
+          <p:cNvPr id="43" name="直接箭头连接符 42"/>
+          <p:cNvCxnSpPr/>
+          <p:nvPr/>
+        </p:nvCxnSpPr>
+        <p:spPr>
+          <a:xfrm flipV="1">
+            <a:off x="2390775" y="4509153"/>
+            <a:ext cx="223963" cy="414845"/>
+          </a:xfrm>
+          <a:prstGeom prst="straightConnector1">
+            <a:avLst/>
+          </a:prstGeom>
+          <a:ln>
+            <a:solidFill>
+              <a:srgbClr val="FF0000"/>
+            </a:solidFill>
+            <a:tailEnd type="triangle"/>
+          </a:ln>
+        </p:spPr>
+        <p:style>
+          <a:lnRef idx="1">
+            <a:schemeClr val="accent1"/>
+          </a:lnRef>
+          <a:fillRef idx="0">
+            <a:schemeClr val="accent1"/>
+          </a:fillRef>
+          <a:effectRef idx="0">
+            <a:schemeClr val="accent1"/>
+          </a:effectRef>
+          <a:fontRef idx="minor">
+            <a:schemeClr val="tx1"/>
+          </a:fontRef>
+        </p:style>
+      </p:cxnSp>
+      <p:cxnSp>
+        <p:nvCxnSpPr>
+          <p:cNvPr id="44" name="直接箭头连接符 43"/>
+          <p:cNvCxnSpPr/>
+          <p:nvPr/>
+        </p:nvCxnSpPr>
+        <p:spPr>
+          <a:xfrm flipH="1" flipV="1">
+            <a:off x="3927512" y="4540309"/>
+            <a:ext cx="180465" cy="369331"/>
+          </a:xfrm>
+          <a:prstGeom prst="straightConnector1">
+            <a:avLst/>
+          </a:prstGeom>
+          <a:ln>
+            <a:solidFill>
+              <a:srgbClr val="FF0000"/>
+            </a:solidFill>
+            <a:tailEnd type="triangle"/>
+          </a:ln>
+        </p:spPr>
+        <p:style>
+          <a:lnRef idx="1">
+            <a:schemeClr val="accent1"/>
+          </a:lnRef>
+          <a:fillRef idx="0">
+            <a:schemeClr val="accent1"/>
+          </a:fillRef>
+          <a:effectRef idx="0">
+            <a:schemeClr val="accent1"/>
+          </a:effectRef>
+          <a:fontRef idx="minor">
+            <a:schemeClr val="tx1"/>
+          </a:fontRef>
+        </p:style>
+      </p:cxnSp>
+      <p:sp>
+        <p:nvSpPr>
+          <p:cNvPr id="46" name="任意多边形 45"/>
+          <p:cNvSpPr/>
+          <p:nvPr/>
+        </p:nvSpPr>
+        <p:spPr>
+          <a:xfrm>
+            <a:off x="3800475" y="2076450"/>
+            <a:ext cx="447675" cy="2047875"/>
+          </a:xfrm>
+          <a:custGeom>
+            <a:avLst/>
+            <a:gdLst>
+              <a:gd name="connsiteX0" fmla="*/ 0 w 447675"/>
+              <a:gd name="connsiteY0" fmla="*/ 2047875 h 2047875"/>
+              <a:gd name="connsiteX1" fmla="*/ 447675 w 447675"/>
+              <a:gd name="connsiteY1" fmla="*/ 0 h 2047875"/>
+            </a:gdLst>
+            <a:ahLst/>
+            <a:cxnLst>
+              <a:cxn ang="0">
+                <a:pos x="connsiteX0" y="connsiteY0"/>
+              </a:cxn>
+              <a:cxn ang="0">
+                <a:pos x="connsiteX1" y="connsiteY1"/>
+              </a:cxn>
+            </a:cxnLst>
+            <a:rect l="l" t="t" r="r" b="b"/>
+            <a:pathLst>
+              <a:path w="447675" h="2047875">
+                <a:moveTo>
+                  <a:pt x="0" y="2047875"/>
+                </a:moveTo>
+                <a:cubicBezTo>
+                  <a:pt x="30162" y="1135062"/>
+                  <a:pt x="60325" y="222250"/>
+                  <a:pt x="447675" y="0"/>
+                </a:cubicBezTo>
+              </a:path>
+            </a:pathLst>
+          </a:custGeom>
+          <a:ln>
+            <a:solidFill>
+              <a:srgbClr val="FF0000"/>
+            </a:solidFill>
+            <a:tailEnd type="triangle"/>
+          </a:ln>
+        </p:spPr>
+        <p:style>
+          <a:lnRef idx="1">
+            <a:schemeClr val="accent1"/>
+          </a:lnRef>
+          <a:fillRef idx="0">
+            <a:schemeClr val="accent1"/>
+          </a:fillRef>
+          <a:effectRef idx="0">
+            <a:schemeClr val="accent1"/>
+          </a:effectRef>
+          <a:fontRef idx="minor">
+            <a:schemeClr val="tx1"/>
+          </a:fontRef>
+        </p:style>
+        <p:txBody>
+          <a:bodyPr rtlCol="0" anchor="ctr"/>
+          <a:lstStyle/>
+          <a:p>
+            <a:pPr algn="ctr"/>
+            <a:endParaRPr lang="zh-CN" altLang="en-US">
+              <a:solidFill>
+                <a:srgbClr val="FF0000"/>
+              </a:solidFill>
+            </a:endParaRPr>
+          </a:p>
+        </p:txBody>
+      </p:sp>
+      <p:sp>
+        <p:nvSpPr>
+          <p:cNvPr id="48" name="矩形 47"/>
+          <p:cNvSpPr/>
+          <p:nvPr/>
+        </p:nvSpPr>
+        <p:spPr>
+          <a:xfrm>
+            <a:off x="5156295" y="4125463"/>
+            <a:ext cx="818866" cy="368490"/>
+          </a:xfrm>
+          <a:prstGeom prst="rect">
+            <a:avLst/>
+          </a:prstGeom>
+        </p:spPr>
+        <p:style>
+          <a:lnRef idx="2">
+            <a:schemeClr val="accent1">
+              <a:shade val="50000"/>
+            </a:schemeClr>
+          </a:lnRef>
+          <a:fillRef idx="1">
+            <a:schemeClr val="accent1"/>
+          </a:fillRef>
+          <a:effectRef idx="0">
+            <a:schemeClr val="accent1"/>
+          </a:effectRef>
+          <a:fontRef idx="minor">
+            <a:schemeClr val="lt1"/>
+          </a:fontRef>
+        </p:style>
+        <p:txBody>
+          <a:bodyPr rtlCol="0" anchor="ctr"/>
+          <a:lstStyle/>
+          <a:p>
+            <a:pPr algn="ctr"/>
+            <a:r>
+              <a:rPr lang="en-US" altLang="zh-CN" sz="1200" dirty="0" smtClean="0"/>
+              <a:t>32B</a:t>
+            </a:r>
+            <a:endParaRPr lang="zh-CN" altLang="en-US" sz="1200" dirty="0"/>
+          </a:p>
+        </p:txBody>
+      </p:sp>
+      <p:sp>
+        <p:nvSpPr>
+          <p:cNvPr id="49" name="矩形 48"/>
+          <p:cNvSpPr/>
+          <p:nvPr/>
+        </p:nvSpPr>
+        <p:spPr>
+          <a:xfrm>
+            <a:off x="5975161" y="4125463"/>
+            <a:ext cx="818866" cy="368490"/>
+          </a:xfrm>
+          <a:prstGeom prst="rect">
+            <a:avLst/>
+          </a:prstGeom>
+        </p:spPr>
+        <p:style>
+          <a:lnRef idx="2">
+            <a:schemeClr val="accent1">
+              <a:shade val="50000"/>
+            </a:schemeClr>
+          </a:lnRef>
+          <a:fillRef idx="1">
+            <a:schemeClr val="accent1"/>
+          </a:fillRef>
+          <a:effectRef idx="0">
+            <a:schemeClr val="accent1"/>
+          </a:effectRef>
+          <a:fontRef idx="minor">
+            <a:schemeClr val="lt1"/>
+          </a:fontRef>
+        </p:style>
+        <p:txBody>
+          <a:bodyPr rtlCol="0" anchor="ctr"/>
+          <a:lstStyle/>
+          <a:p>
+            <a:pPr algn="ctr"/>
+            <a:r>
+              <a:rPr lang="en-US" altLang="zh-CN" sz="1200" dirty="0" smtClean="0"/>
+              <a:t>32B</a:t>
+            </a:r>
+            <a:endParaRPr lang="zh-CN" altLang="en-US" sz="1200" dirty="0"/>
+          </a:p>
+        </p:txBody>
+      </p:sp>
+      <p:sp>
+        <p:nvSpPr>
+          <p:cNvPr id="50" name="矩形 49"/>
+          <p:cNvSpPr/>
+          <p:nvPr/>
+        </p:nvSpPr>
+        <p:spPr>
+          <a:xfrm>
+            <a:off x="6794027" y="4125463"/>
+            <a:ext cx="818866" cy="368490"/>
+          </a:xfrm>
+          <a:prstGeom prst="rect">
+            <a:avLst/>
+          </a:prstGeom>
+        </p:spPr>
+        <p:style>
+          <a:lnRef idx="2">
+            <a:schemeClr val="accent1">
+              <a:shade val="50000"/>
+            </a:schemeClr>
+          </a:lnRef>
+          <a:fillRef idx="1">
+            <a:schemeClr val="accent1"/>
+          </a:fillRef>
+          <a:effectRef idx="0">
+            <a:schemeClr val="accent1"/>
+          </a:effectRef>
+          <a:fontRef idx="minor">
+            <a:schemeClr val="lt1"/>
+          </a:fontRef>
+        </p:style>
+        <p:txBody>
+          <a:bodyPr rtlCol="0" anchor="ctr"/>
+          <a:lstStyle/>
+          <a:p>
+            <a:pPr algn="ctr"/>
+            <a:endParaRPr lang="zh-CN" altLang="en-US" sz="1200"/>
+          </a:p>
+        </p:txBody>
+      </p:sp>
+      <p:cxnSp>
+        <p:nvCxnSpPr>
+          <p:cNvPr id="51" name="直接连接符 50"/>
+          <p:cNvCxnSpPr/>
+          <p:nvPr/>
+        </p:nvCxnSpPr>
+        <p:spPr>
+          <a:xfrm flipH="1" flipV="1">
+            <a:off x="4926843" y="3099179"/>
+            <a:ext cx="2686050" cy="1025146"/>
+          </a:xfrm>
+          <a:prstGeom prst="line">
+            <a:avLst/>
+          </a:prstGeom>
+        </p:spPr>
+        <p:style>
+          <a:lnRef idx="1">
+            <a:schemeClr val="accent1"/>
+          </a:lnRef>
+          <a:fillRef idx="0">
+            <a:schemeClr val="accent1"/>
+          </a:fillRef>
+          <a:effectRef idx="0">
+            <a:schemeClr val="accent1"/>
+          </a:effectRef>
+          <a:fontRef idx="minor">
+            <a:schemeClr val="tx1"/>
+          </a:fontRef>
+        </p:style>
+      </p:cxnSp>
+      <p:cxnSp>
+        <p:nvCxnSpPr>
+          <p:cNvPr id="54" name="直接连接符 53"/>
+          <p:cNvCxnSpPr/>
+          <p:nvPr/>
+        </p:nvCxnSpPr>
+        <p:spPr>
+          <a:xfrm flipH="1" flipV="1">
+            <a:off x="4107977" y="3085117"/>
+            <a:ext cx="1048318" cy="1025146"/>
+          </a:xfrm>
+          <a:prstGeom prst="line">
+            <a:avLst/>
+          </a:prstGeom>
+        </p:spPr>
+        <p:style>
+          <a:lnRef idx="1">
+            <a:schemeClr val="accent1"/>
+          </a:lnRef>
+          <a:fillRef idx="0">
+            <a:schemeClr val="accent1"/>
+          </a:fillRef>
+          <a:effectRef idx="0">
+            <a:schemeClr val="accent1"/>
+          </a:effectRef>
+          <a:fontRef idx="minor">
+            <a:schemeClr val="tx1"/>
+          </a:fontRef>
+        </p:style>
+      </p:cxnSp>
+      <p:sp>
+        <p:nvSpPr>
+          <p:cNvPr id="57" name="矩形 56"/>
+          <p:cNvSpPr/>
+          <p:nvPr/>
+        </p:nvSpPr>
+        <p:spPr>
+          <a:xfrm>
+            <a:off x="5205559" y="4909640"/>
+            <a:ext cx="2460930" cy="307777"/>
+          </a:xfrm>
+          <a:prstGeom prst="rect">
+            <a:avLst/>
+          </a:prstGeom>
+        </p:spPr>
+        <p:txBody>
+          <a:bodyPr wrap="none">
+            <a:spAutoFit/>
+          </a:bodyPr>
+          <a:lstStyle/>
+          <a:p>
+            <a:r>
+              <a:rPr lang="en-US" altLang="zh-CN" sz="1400" dirty="0" smtClean="0">
+                <a:solidFill>
+                  <a:srgbClr val="FF0000"/>
+                </a:solidFill>
+              </a:rPr>
+              <a:t>bbb.bmp</a:t>
+            </a:r>
+            <a:r>
+              <a:rPr lang="zh-CN" altLang="en-US" sz="1400" dirty="0" smtClean="0">
+                <a:solidFill>
+                  <a:srgbClr val="FF0000"/>
+                </a:solidFill>
+              </a:rPr>
+              <a:t>文件的长短目录结构</a:t>
+            </a:r>
+            <a:endParaRPr lang="zh-CN" altLang="en-US" sz="1400" dirty="0">
+              <a:solidFill>
+                <a:srgbClr val="FF0000"/>
+              </a:solidFill>
+            </a:endParaRPr>
+          </a:p>
+        </p:txBody>
+      </p:sp>
+      <p:sp>
+        <p:nvSpPr>
+          <p:cNvPr id="60" name="矩形 59"/>
+          <p:cNvSpPr/>
+          <p:nvPr/>
+        </p:nvSpPr>
+        <p:spPr>
+          <a:xfrm>
+            <a:off x="8202307" y="3904641"/>
+            <a:ext cx="3681267" cy="954107"/>
+          </a:xfrm>
+          <a:prstGeom prst="rect">
+            <a:avLst/>
+          </a:prstGeom>
+        </p:spPr>
+        <p:txBody>
+          <a:bodyPr wrap="square">
+            <a:spAutoFit/>
+          </a:bodyPr>
+          <a:lstStyle/>
+          <a:p>
+            <a:pPr marL="285750" indent="-285750">
+              <a:buFontTx/>
+              <a:buChar char="-"/>
+            </a:pPr>
+            <a:r>
+              <a:rPr lang="zh-CN" altLang="en-US" sz="1400" dirty="0" smtClean="0">
+                <a:solidFill>
+                  <a:srgbClr val="FF0000"/>
+                </a:solidFill>
+              </a:rPr>
+              <a:t>目录对应的</a:t>
+            </a:r>
+            <a:r>
+              <a:rPr lang="en-US" altLang="zh-CN" sz="1400" dirty="0" smtClean="0">
+                <a:solidFill>
+                  <a:srgbClr val="FF0000"/>
+                </a:solidFill>
+              </a:rPr>
+              <a:t>cluster</a:t>
+            </a:r>
+            <a:r>
+              <a:rPr lang="zh-CN" altLang="en-US" sz="1400" dirty="0" smtClean="0">
+                <a:solidFill>
+                  <a:srgbClr val="FF0000"/>
+                </a:solidFill>
+              </a:rPr>
+              <a:t>下存放的是：该目录下文件或者目录的目录结构</a:t>
+            </a:r>
+            <a:endParaRPr lang="en-US" altLang="zh-CN" sz="1400" dirty="0" smtClean="0">
+              <a:solidFill>
+                <a:srgbClr val="FF0000"/>
+              </a:solidFill>
+            </a:endParaRPr>
+          </a:p>
+          <a:p>
+            <a:pPr marL="285750" indent="-285750">
+              <a:buFontTx/>
+              <a:buChar char="-"/>
+            </a:pPr>
+            <a:r>
+              <a:rPr lang="zh-CN" altLang="en-US" sz="1400" dirty="0" smtClean="0">
+                <a:solidFill>
+                  <a:srgbClr val="FF0000"/>
+                </a:solidFill>
+              </a:rPr>
+              <a:t>文件对应的</a:t>
+            </a:r>
+            <a:r>
+              <a:rPr lang="en-US" altLang="zh-CN" sz="1400" dirty="0" smtClean="0">
+                <a:solidFill>
+                  <a:srgbClr val="FF0000"/>
+                </a:solidFill>
+              </a:rPr>
+              <a:t>cluster</a:t>
+            </a:r>
+            <a:r>
+              <a:rPr lang="zh-CN" altLang="en-US" sz="1400" dirty="0" smtClean="0">
+                <a:solidFill>
+                  <a:srgbClr val="FF0000"/>
+                </a:solidFill>
+              </a:rPr>
+              <a:t>下存放的是：该文件的二进制数据</a:t>
+            </a:r>
+            <a:endParaRPr lang="zh-CN" altLang="en-US" sz="1400" dirty="0">
+              <a:solidFill>
+                <a:srgbClr val="FF0000"/>
+              </a:solidFill>
+            </a:endParaRPr>
+          </a:p>
+        </p:txBody>
+      </p:sp>
+      <p:sp>
+        <p:nvSpPr>
+          <p:cNvPr id="61" name="矩形 60"/>
+          <p:cNvSpPr/>
+          <p:nvPr/>
+        </p:nvSpPr>
+        <p:spPr>
+          <a:xfrm>
+            <a:off x="4975450" y="3785844"/>
+            <a:ext cx="1754904" cy="307777"/>
+          </a:xfrm>
+          <a:prstGeom prst="rect">
+            <a:avLst/>
+          </a:prstGeom>
+        </p:spPr>
+        <p:txBody>
+          <a:bodyPr wrap="none">
+            <a:spAutoFit/>
+          </a:bodyPr>
+          <a:lstStyle/>
+          <a:p>
+            <a:r>
+              <a:rPr lang="zh-CN" altLang="en-US" sz="1400" dirty="0" smtClean="0">
+                <a:solidFill>
+                  <a:srgbClr val="FF0000"/>
+                </a:solidFill>
+              </a:rPr>
+              <a:t>文件开始于</a:t>
+            </a:r>
+            <a:r>
+              <a:rPr lang="en-US" altLang="zh-CN" sz="1400" dirty="0" smtClean="0">
+                <a:solidFill>
+                  <a:srgbClr val="FF0000"/>
+                </a:solidFill>
+              </a:rPr>
+              <a:t>cluster#4</a:t>
+            </a:r>
+            <a:endParaRPr lang="zh-CN" altLang="en-US" sz="1400" dirty="0">
+              <a:solidFill>
+                <a:srgbClr val="FF0000"/>
+              </a:solidFill>
+            </a:endParaRPr>
+          </a:p>
+        </p:txBody>
+      </p:sp>
+      <p:cxnSp>
+        <p:nvCxnSpPr>
+          <p:cNvPr id="62" name="直接连接符 61"/>
+          <p:cNvCxnSpPr>
+            <a:stCxn id="6" idx="2"/>
+            <a:endCxn id="13" idx="0"/>
+          </p:cNvCxnSpPr>
+          <p:nvPr/>
+        </p:nvCxnSpPr>
+        <p:spPr>
+          <a:xfrm>
+            <a:off x="5336276" y="2060813"/>
+            <a:ext cx="818866" cy="671014"/>
+          </a:xfrm>
+          <a:prstGeom prst="line">
+            <a:avLst/>
+          </a:prstGeom>
+          <a:ln>
+            <a:solidFill>
+              <a:srgbClr val="FF0000"/>
+            </a:solidFill>
+            <a:prstDash val="dash"/>
+            <a:headEnd type="none" w="med" len="med"/>
+            <a:tailEnd type="triangle" w="med" len="med"/>
+          </a:ln>
+        </p:spPr>
+        <p:style>
+          <a:lnRef idx="1">
+            <a:schemeClr val="accent1"/>
+          </a:lnRef>
+          <a:fillRef idx="0">
+            <a:schemeClr val="accent1"/>
+          </a:fillRef>
+          <a:effectRef idx="0">
+            <a:schemeClr val="accent1"/>
+          </a:effectRef>
+          <a:fontRef idx="minor">
+            <a:schemeClr val="tx1"/>
+          </a:fontRef>
+        </p:style>
+      </p:cxnSp>
+      <p:cxnSp>
+        <p:nvCxnSpPr>
+          <p:cNvPr id="74" name="直接箭头连接符 73"/>
+          <p:cNvCxnSpPr/>
+          <p:nvPr/>
+        </p:nvCxnSpPr>
+        <p:spPr>
+          <a:xfrm flipH="1" flipV="1">
+            <a:off x="5516257" y="3146673"/>
+            <a:ext cx="921370" cy="681660"/>
+          </a:xfrm>
+          <a:prstGeom prst="straightConnector1">
+            <a:avLst/>
+          </a:prstGeom>
+          <a:ln>
+            <a:solidFill>
+              <a:srgbClr val="FF0000"/>
+            </a:solidFill>
+            <a:tailEnd type="triangle"/>
+          </a:ln>
+        </p:spPr>
+        <p:style>
+          <a:lnRef idx="1">
+            <a:schemeClr val="accent1"/>
+          </a:lnRef>
+          <a:fillRef idx="0">
+            <a:schemeClr val="accent1"/>
+          </a:fillRef>
+          <a:effectRef idx="0">
+            <a:schemeClr val="accent1"/>
+          </a:effectRef>
+          <a:fontRef idx="minor">
+            <a:schemeClr val="tx1"/>
+          </a:fontRef>
+        </p:style>
+      </p:cxnSp>
+      <p:sp>
+        <p:nvSpPr>
+          <p:cNvPr id="78" name="矩形 77"/>
+          <p:cNvSpPr/>
+          <p:nvPr/>
+        </p:nvSpPr>
+        <p:spPr>
+          <a:xfrm>
+            <a:off x="6730354" y="2107609"/>
+            <a:ext cx="4733988" cy="461665"/>
+          </a:xfrm>
+          <a:prstGeom prst="rect">
+            <a:avLst/>
+          </a:prstGeom>
+        </p:spPr>
+        <p:txBody>
+          <a:bodyPr wrap="none">
+            <a:spAutoFit/>
+          </a:bodyPr>
+          <a:lstStyle/>
+          <a:p>
+            <a:r>
+              <a:rPr lang="en-US" altLang="zh-CN" sz="1200" dirty="0" smtClean="0">
+                <a:solidFill>
+                  <a:srgbClr val="FF0000"/>
+                </a:solidFill>
+              </a:rPr>
+              <a:t>bbb.bmp </a:t>
+            </a:r>
+            <a:r>
+              <a:rPr lang="zh-CN" altLang="en-US" sz="1200" dirty="0" smtClean="0">
+                <a:solidFill>
+                  <a:srgbClr val="FF0000"/>
+                </a:solidFill>
+              </a:rPr>
+              <a:t>文件大于一个</a:t>
+            </a:r>
+            <a:r>
+              <a:rPr lang="en-US" altLang="zh-CN" sz="1200" dirty="0" smtClean="0">
+                <a:solidFill>
+                  <a:srgbClr val="FF0000"/>
+                </a:solidFill>
+              </a:rPr>
+              <a:t>cluster</a:t>
+            </a:r>
+            <a:r>
+              <a:rPr lang="zh-CN" altLang="en-US" sz="1200" dirty="0" smtClean="0">
+                <a:solidFill>
+                  <a:srgbClr val="FF0000"/>
+                </a:solidFill>
+              </a:rPr>
+              <a:t>，</a:t>
+            </a:r>
+            <a:r>
+              <a:rPr lang="en-US" altLang="zh-CN" sz="1200" dirty="0" smtClean="0">
+                <a:solidFill>
+                  <a:srgbClr val="FF0000"/>
+                </a:solidFill>
+              </a:rPr>
+              <a:t>#4</a:t>
+            </a:r>
+            <a:r>
+              <a:rPr lang="zh-CN" altLang="en-US" sz="1200" dirty="0" smtClean="0">
+                <a:solidFill>
+                  <a:srgbClr val="FF0000"/>
+                </a:solidFill>
+              </a:rPr>
+              <a:t>不够，所以</a:t>
+            </a:r>
+            <a:r>
+              <a:rPr lang="en-US" altLang="zh-CN" sz="1200" dirty="0" smtClean="0">
+                <a:solidFill>
+                  <a:srgbClr val="FF0000"/>
+                </a:solidFill>
+              </a:rPr>
+              <a:t>fat[4]</a:t>
+            </a:r>
+            <a:r>
+              <a:rPr lang="zh-CN" altLang="en-US" sz="1200" dirty="0" smtClean="0">
+                <a:solidFill>
+                  <a:srgbClr val="FF0000"/>
+                </a:solidFill>
+              </a:rPr>
+              <a:t>指向了</a:t>
+            </a:r>
+            <a:r>
+              <a:rPr lang="en-US" altLang="zh-CN" sz="1200" dirty="0" smtClean="0">
+                <a:solidFill>
+                  <a:srgbClr val="FF0000"/>
+                </a:solidFill>
+              </a:rPr>
+              <a:t>cluster#5</a:t>
+            </a:r>
+            <a:r>
+              <a:rPr lang="zh-CN" altLang="en-US" sz="1200" dirty="0" smtClean="0">
+                <a:solidFill>
+                  <a:srgbClr val="FF0000"/>
+                </a:solidFill>
+              </a:rPr>
+              <a:t>，</a:t>
+            </a:r>
+            <a:endParaRPr lang="en-US" altLang="zh-CN" sz="1200" dirty="0" smtClean="0">
+              <a:solidFill>
+                <a:srgbClr val="FF0000"/>
+              </a:solidFill>
+            </a:endParaRPr>
+          </a:p>
+          <a:p>
+            <a:r>
+              <a:rPr lang="zh-CN" altLang="en-US" sz="1200" dirty="0" smtClean="0">
+                <a:solidFill>
+                  <a:srgbClr val="FF0000"/>
+                </a:solidFill>
+              </a:rPr>
+              <a:t>直至</a:t>
+            </a:r>
+            <a:r>
+              <a:rPr lang="en-US" altLang="zh-CN" sz="1200" dirty="0" smtClean="0">
+                <a:solidFill>
+                  <a:srgbClr val="FF0000"/>
+                </a:solidFill>
+              </a:rPr>
+              <a:t>fat[5]=0x0fffffff</a:t>
+            </a:r>
+            <a:r>
+              <a:rPr lang="zh-CN" altLang="en-US" sz="1200" dirty="0" smtClean="0">
+                <a:solidFill>
+                  <a:srgbClr val="FF0000"/>
+                </a:solidFill>
+              </a:rPr>
+              <a:t>，表示该文件结束。</a:t>
+            </a:r>
+            <a:endParaRPr lang="zh-CN" altLang="en-US" sz="1200" dirty="0">
+              <a:solidFill>
+                <a:srgbClr val="FF0000"/>
+              </a:solidFill>
+            </a:endParaRPr>
+          </a:p>
+        </p:txBody>
+      </p:sp>
     </p:spTree>
     <p:extLst>
       <p:ext uri="{BB962C8B-B14F-4D97-AF65-F5344CB8AC3E}">
